--- a/LHCC_2019_poster/ATLAS-PosterBase.pptx
+++ b/LHCC_2019_poster/ATLAS-PosterBase.pptx
@@ -54,19 +54,26 @@
         <p:txBody>
           <a:bodyPr lIns="0" rIns="0" tIns="0" bIns="0" anchor="ctr"/>
           <a:p>
-            <a:r>
-              <a:rPr b="0" lang="fr-FR" sz="3200" spc="-1" strike="noStrike">
-                <a:solidFill>
-                  <a:srgbClr val="000000"/>
-                </a:solidFill>
-                <a:latin typeface="Arial"/>
-              </a:rPr>
-              <a:t>Click to move the slide</a:t>
-            </a:r>
-            <a:endParaRPr b="0" lang="fr-FR" sz="3200" spc="-1" strike="noStrike">
-              <a:solidFill>
-                <a:srgbClr val="000000"/>
-              </a:solidFill>
+            <a:pPr algn="ctr"/>
+            <a:r>
+              <a:rPr b="0" lang="en-US" sz="4400" spc="-1" strike="noStrike">
+                <a:latin typeface="Arial"/>
+              </a:rPr>
+              <a:t>Click to </a:t>
+            </a:r>
+            <a:r>
+              <a:rPr b="0" lang="en-US" sz="4400" spc="-1" strike="noStrike">
+                <a:latin typeface="Arial"/>
+              </a:rPr>
+              <a:t>move the </a:t>
+            </a:r>
+            <a:r>
+              <a:rPr b="0" lang="en-US" sz="4400" spc="-1" strike="noStrike">
+                <a:latin typeface="Arial"/>
+              </a:rPr>
+              <a:t>slide</a:t>
+            </a:r>
+            <a:endParaRPr b="0" lang="en-US" sz="4400" spc="-1" strike="noStrike">
               <a:latin typeface="Arial"/>
             </a:endParaRPr>
           </a:p>
@@ -98,7 +105,13 @@
               <a:rPr b="0" lang="en-US" sz="2000" spc="-1" strike="noStrike">
                 <a:latin typeface="Arial"/>
               </a:rPr>
-              <a:t>Click to edit the notes format</a:t>
+              <a:t>Click to edit the notes </a:t>
+            </a:r>
+            <a:r>
+              <a:rPr b="0" lang="en-US" sz="2000" spc="-1" strike="noStrike">
+                <a:latin typeface="Arial"/>
+              </a:rPr>
+              <a:t>format</a:t>
             </a:r>
             <a:endParaRPr b="0" lang="en-US" sz="2000" spc="-1" strike="noStrike">
               <a:latin typeface="Arial"/>
@@ -132,7 +145,7 @@
               <a:rPr b="0" lang="en-US" sz="1400" spc="-1" strike="noStrike">
                 <a:latin typeface="Times New Roman"/>
               </a:rPr>
-              <a:t> </a:t>
+              <a:t>&lt;header&gt;</a:t>
             </a:r>
             <a:endParaRPr b="0" lang="en-US" sz="1400" spc="-1" strike="noStrike">
               <a:latin typeface="Times New Roman"/>
@@ -167,7 +180,7 @@
               <a:rPr b="0" lang="en-US" sz="1400" spc="-1" strike="noStrike">
                 <a:latin typeface="Times New Roman"/>
               </a:rPr>
-              <a:t> </a:t>
+              <a:t>&lt;date/time&gt;</a:t>
             </a:r>
             <a:endParaRPr b="0" lang="en-US" sz="1400" spc="-1" strike="noStrike">
               <a:latin typeface="Times New Roman"/>
@@ -201,7 +214,7 @@
               <a:rPr b="0" lang="en-US" sz="1400" spc="-1" strike="noStrike">
                 <a:latin typeface="Times New Roman"/>
               </a:rPr>
-              <a:t> </a:t>
+              <a:t>&lt;footer&gt;</a:t>
             </a:r>
             <a:endParaRPr b="0" lang="en-US" sz="1400" spc="-1" strike="noStrike">
               <a:latin typeface="Times New Roman"/>
@@ -232,11 +245,11 @@
           <a:bodyPr lIns="0" rIns="0" tIns="0" bIns="0" anchor="b"/>
           <a:p>
             <a:pPr algn="r"/>
-            <a:fld id="{B75CA278-BB9F-40F7-BA59-EBB0C6DAD741}" type="slidenum">
+            <a:fld id="{7EF12F51-D1E5-4225-9F1E-2EE51AA692FB}" type="slidenum">
               <a:rPr b="0" lang="en-US" sz="1400" spc="-1" strike="noStrike">
                 <a:latin typeface="Times New Roman"/>
               </a:rPr>
-              <a:t>1</a:t>
+              <a:t>&lt;number&gt;</a:t>
             </a:fld>
             <a:endParaRPr b="0" lang="en-US" sz="1400" spc="-1" strike="noStrike">
               <a:latin typeface="Times New Roman"/>
@@ -269,7 +282,7 @@
       </p:grpSpPr>
       <p:sp>
         <p:nvSpPr>
-          <p:cNvPr id="90" name="PlaceHolder 1"/>
+          <p:cNvPr id="85" name="PlaceHolder 1"/>
           <p:cNvSpPr>
             <a:spLocks noGrp="1"/>
           </p:cNvSpPr>
@@ -280,16 +293,16 @@
         <p:spPr>
           <a:xfrm>
             <a:off x="2228760" y="685800"/>
-            <a:ext cx="2400120" cy="3428640"/>
-          </a:xfrm>
-          <a:prstGeom prst="rect">
-            <a:avLst/>
-          </a:prstGeom>
-        </p:spPr>
-      </p:sp>
-      <p:sp>
-        <p:nvSpPr>
-          <p:cNvPr id="91" name="PlaceHolder 2"/>
+            <a:ext cx="2399760" cy="3428280"/>
+          </a:xfrm>
+          <a:prstGeom prst="rect">
+            <a:avLst/>
+          </a:prstGeom>
+        </p:spPr>
+      </p:sp>
+      <p:sp>
+        <p:nvSpPr>
+          <p:cNvPr id="86" name="PlaceHolder 2"/>
           <p:cNvSpPr>
             <a:spLocks noGrp="1"/>
           </p:cNvSpPr>
@@ -300,14 +313,14 @@
         <p:spPr>
           <a:xfrm>
             <a:off x="685800" y="4343400"/>
-            <a:ext cx="5486040" cy="4114440"/>
-          </a:xfrm>
-          <a:prstGeom prst="rect">
-            <a:avLst/>
-          </a:prstGeom>
-        </p:spPr>
-        <p:txBody>
-          <a:bodyPr/>
+            <a:ext cx="5485680" cy="4114080"/>
+          </a:xfrm>
+          <a:prstGeom prst="rect">
+            <a:avLst/>
+          </a:prstGeom>
+        </p:spPr>
+        <p:txBody>
+          <a:bodyPr lIns="0" rIns="0" tIns="0" bIns="0"/>
           <a:p>
             <a:endParaRPr b="0" lang="en-US" sz="2000" spc="-1" strike="noStrike">
               <a:latin typeface="Arial"/>
@@ -317,14 +330,14 @@
       </p:sp>
       <p:sp>
         <p:nvSpPr>
-          <p:cNvPr id="92" name="TextShape 3"/>
-          <p:cNvSpPr txBox="1"/>
+          <p:cNvPr id="87" name="CustomShape 3"/>
+          <p:cNvSpPr/>
           <p:nvPr/>
         </p:nvSpPr>
         <p:spPr>
           <a:xfrm>
             <a:off x="3884760" y="8685360"/>
-            <a:ext cx="2971440" cy="456840"/>
+            <a:ext cx="2971080" cy="456480"/>
           </a:xfrm>
           <a:prstGeom prst="rect">
             <a:avLst/>
@@ -334,14 +347,12 @@
             <a:noFill/>
           </a:ln>
         </p:spPr>
-        <p:txBody>
-          <a:bodyPr anchor="b"/>
-          <a:p>
-            <a:endParaRPr b="0" lang="en-US" sz="2400" spc="-1" strike="noStrike">
-              <a:latin typeface="Times New Roman"/>
-            </a:endParaRPr>
-          </a:p>
-        </p:txBody>
+        <p:style>
+          <a:lnRef idx="0"/>
+          <a:fillRef idx="0"/>
+          <a:effectRef idx="0"/>
+          <a:fontRef idx="minor"/>
+        </p:style>
       </p:sp>
     </p:spTree>
   </p:cSld>
@@ -399,8 +410,8 @@
         </p:nvSpPr>
         <p:spPr>
           <a:xfrm>
-            <a:off x="629640" y="718200"/>
-            <a:ext cx="11339280" cy="3006000"/>
+            <a:off x="630000" y="718200"/>
+            <a:ext cx="11339640" cy="3006000"/>
           </a:xfrm>
           <a:prstGeom prst="rect">
             <a:avLst/>
@@ -409,10 +420,8 @@
         <p:txBody>
           <a:bodyPr lIns="0" rIns="0" tIns="0" bIns="0" anchor="ctr"/>
           <a:p>
-            <a:endParaRPr b="0" lang="fr-FR" sz="3200" spc="-1" strike="noStrike">
-              <a:solidFill>
-                <a:srgbClr val="000000"/>
-              </a:solidFill>
+            <a:pPr algn="ctr"/>
+            <a:endParaRPr b="0" lang="en-US" sz="4400" spc="-1" strike="noStrike">
               <a:latin typeface="Arial"/>
             </a:endParaRPr>
           </a:p>
@@ -430,8 +439,8 @@
         </p:nvSpPr>
         <p:spPr>
           <a:xfrm>
-            <a:off x="629640" y="4212720"/>
-            <a:ext cx="11339280" cy="4980240"/>
+            <a:off x="630000" y="4212720"/>
+            <a:ext cx="11339640" cy="4980600"/>
           </a:xfrm>
           <a:prstGeom prst="rect">
             <a:avLst/>
@@ -442,10 +451,7 @@
             <a:normAutofit/>
           </a:bodyPr>
           <a:p>
-            <a:endParaRPr b="0" lang="fr-FR" sz="5700" spc="-1" strike="noStrike">
-              <a:solidFill>
-                <a:srgbClr val="000000"/>
-              </a:solidFill>
+            <a:endParaRPr b="0" lang="en-US" sz="3200" spc="-1" strike="noStrike">
               <a:latin typeface="Arial"/>
             </a:endParaRPr>
           </a:p>
@@ -463,8 +469,8 @@
         </p:nvSpPr>
         <p:spPr>
           <a:xfrm>
-            <a:off x="629640" y="9666360"/>
-            <a:ext cx="11339280" cy="4980240"/>
+            <a:off x="630000" y="9666720"/>
+            <a:ext cx="11339640" cy="4980600"/>
           </a:xfrm>
           <a:prstGeom prst="rect">
             <a:avLst/>
@@ -475,10 +481,7 @@
             <a:normAutofit/>
           </a:bodyPr>
           <a:p>
-            <a:endParaRPr b="0" lang="fr-FR" sz="5700" spc="-1" strike="noStrike">
-              <a:solidFill>
-                <a:srgbClr val="000000"/>
-              </a:solidFill>
+            <a:endParaRPr b="0" lang="en-US" sz="3200" spc="-1" strike="noStrike">
               <a:latin typeface="Arial"/>
             </a:endParaRPr>
           </a:p>
@@ -518,8 +521,8 @@
         </p:nvSpPr>
         <p:spPr>
           <a:xfrm>
-            <a:off x="629640" y="718200"/>
-            <a:ext cx="11339280" cy="3006000"/>
+            <a:off x="630000" y="718200"/>
+            <a:ext cx="11339640" cy="3006000"/>
           </a:xfrm>
           <a:prstGeom prst="rect">
             <a:avLst/>
@@ -528,10 +531,8 @@
         <p:txBody>
           <a:bodyPr lIns="0" rIns="0" tIns="0" bIns="0" anchor="ctr"/>
           <a:p>
-            <a:endParaRPr b="0" lang="fr-FR" sz="3200" spc="-1" strike="noStrike">
-              <a:solidFill>
-                <a:srgbClr val="000000"/>
-              </a:solidFill>
+            <a:pPr algn="ctr"/>
+            <a:endParaRPr b="0" lang="en-US" sz="4400" spc="-1" strike="noStrike">
               <a:latin typeface="Arial"/>
             </a:endParaRPr>
           </a:p>
@@ -549,8 +550,8 @@
         </p:nvSpPr>
         <p:spPr>
           <a:xfrm>
-            <a:off x="629640" y="4212720"/>
-            <a:ext cx="5533560" cy="4980240"/>
+            <a:off x="630000" y="4212720"/>
+            <a:ext cx="5533560" cy="4980600"/>
           </a:xfrm>
           <a:prstGeom prst="rect">
             <a:avLst/>
@@ -561,10 +562,7 @@
             <a:normAutofit/>
           </a:bodyPr>
           <a:p>
-            <a:endParaRPr b="0" lang="fr-FR" sz="5700" spc="-1" strike="noStrike">
-              <a:solidFill>
-                <a:srgbClr val="000000"/>
-              </a:solidFill>
+            <a:endParaRPr b="0" lang="en-US" sz="3200" spc="-1" strike="noStrike">
               <a:latin typeface="Arial"/>
             </a:endParaRPr>
           </a:p>
@@ -582,8 +580,8 @@
         </p:nvSpPr>
         <p:spPr>
           <a:xfrm>
-            <a:off x="6440400" y="4212720"/>
-            <a:ext cx="5533560" cy="4980240"/>
+            <a:off x="6440760" y="4212720"/>
+            <a:ext cx="5533560" cy="4980600"/>
           </a:xfrm>
           <a:prstGeom prst="rect">
             <a:avLst/>
@@ -594,10 +592,7 @@
             <a:normAutofit/>
           </a:bodyPr>
           <a:p>
-            <a:endParaRPr b="0" lang="fr-FR" sz="5700" spc="-1" strike="noStrike">
-              <a:solidFill>
-                <a:srgbClr val="000000"/>
-              </a:solidFill>
+            <a:endParaRPr b="0" lang="en-US" sz="3200" spc="-1" strike="noStrike">
               <a:latin typeface="Arial"/>
             </a:endParaRPr>
           </a:p>
@@ -615,8 +610,8 @@
         </p:nvSpPr>
         <p:spPr>
           <a:xfrm>
-            <a:off x="629640" y="9666360"/>
-            <a:ext cx="5533560" cy="4980240"/>
+            <a:off x="630000" y="9666720"/>
+            <a:ext cx="5533560" cy="4980600"/>
           </a:xfrm>
           <a:prstGeom prst="rect">
             <a:avLst/>
@@ -627,10 +622,7 @@
             <a:normAutofit/>
           </a:bodyPr>
           <a:p>
-            <a:endParaRPr b="0" lang="fr-FR" sz="5700" spc="-1" strike="noStrike">
-              <a:solidFill>
-                <a:srgbClr val="000000"/>
-              </a:solidFill>
+            <a:endParaRPr b="0" lang="en-US" sz="3200" spc="-1" strike="noStrike">
               <a:latin typeface="Arial"/>
             </a:endParaRPr>
           </a:p>
@@ -648,8 +640,8 @@
         </p:nvSpPr>
         <p:spPr>
           <a:xfrm>
-            <a:off x="6440400" y="9666360"/>
-            <a:ext cx="5533560" cy="4980240"/>
+            <a:off x="6440760" y="9666720"/>
+            <a:ext cx="5533560" cy="4980600"/>
           </a:xfrm>
           <a:prstGeom prst="rect">
             <a:avLst/>
@@ -660,10 +652,7 @@
             <a:normAutofit/>
           </a:bodyPr>
           <a:p>
-            <a:endParaRPr b="0" lang="fr-FR" sz="5700" spc="-1" strike="noStrike">
-              <a:solidFill>
-                <a:srgbClr val="000000"/>
-              </a:solidFill>
+            <a:endParaRPr b="0" lang="en-US" sz="3200" spc="-1" strike="noStrike">
               <a:latin typeface="Arial"/>
             </a:endParaRPr>
           </a:p>
@@ -703,8 +692,8 @@
         </p:nvSpPr>
         <p:spPr>
           <a:xfrm>
-            <a:off x="629640" y="718200"/>
-            <a:ext cx="11339280" cy="3006000"/>
+            <a:off x="630000" y="718200"/>
+            <a:ext cx="11339640" cy="3006000"/>
           </a:xfrm>
           <a:prstGeom prst="rect">
             <a:avLst/>
@@ -713,10 +702,8 @@
         <p:txBody>
           <a:bodyPr lIns="0" rIns="0" tIns="0" bIns="0" anchor="ctr"/>
           <a:p>
-            <a:endParaRPr b="0" lang="fr-FR" sz="3200" spc="-1" strike="noStrike">
-              <a:solidFill>
-                <a:srgbClr val="000000"/>
-              </a:solidFill>
+            <a:pPr algn="ctr"/>
+            <a:endParaRPr b="0" lang="en-US" sz="4400" spc="-1" strike="noStrike">
               <a:latin typeface="Arial"/>
             </a:endParaRPr>
           </a:p>
@@ -734,8 +721,8 @@
         </p:nvSpPr>
         <p:spPr>
           <a:xfrm>
-            <a:off x="629640" y="4212720"/>
-            <a:ext cx="3651120" cy="4980240"/>
+            <a:off x="630000" y="4212720"/>
+            <a:ext cx="3651120" cy="4980600"/>
           </a:xfrm>
           <a:prstGeom prst="rect">
             <a:avLst/>
@@ -746,10 +733,7 @@
             <a:normAutofit/>
           </a:bodyPr>
           <a:p>
-            <a:endParaRPr b="0" lang="fr-FR" sz="5700" spc="-1" strike="noStrike">
-              <a:solidFill>
-                <a:srgbClr val="000000"/>
-              </a:solidFill>
+            <a:endParaRPr b="0" lang="en-US" sz="3200" spc="-1" strike="noStrike">
               <a:latin typeface="Arial"/>
             </a:endParaRPr>
           </a:p>
@@ -767,8 +751,8 @@
         </p:nvSpPr>
         <p:spPr>
           <a:xfrm>
-            <a:off x="4463640" y="4212720"/>
-            <a:ext cx="3651120" cy="4980240"/>
+            <a:off x="4464000" y="4212720"/>
+            <a:ext cx="3651120" cy="4980600"/>
           </a:xfrm>
           <a:prstGeom prst="rect">
             <a:avLst/>
@@ -779,10 +763,7 @@
             <a:normAutofit/>
           </a:bodyPr>
           <a:p>
-            <a:endParaRPr b="0" lang="fr-FR" sz="5700" spc="-1" strike="noStrike">
-              <a:solidFill>
-                <a:srgbClr val="000000"/>
-              </a:solidFill>
+            <a:endParaRPr b="0" lang="en-US" sz="3200" spc="-1" strike="noStrike">
               <a:latin typeface="Arial"/>
             </a:endParaRPr>
           </a:p>
@@ -800,8 +781,8 @@
         </p:nvSpPr>
         <p:spPr>
           <a:xfrm>
-            <a:off x="8297640" y="4212720"/>
-            <a:ext cx="3651120" cy="4980240"/>
+            <a:off x="8298000" y="4212720"/>
+            <a:ext cx="3651120" cy="4980600"/>
           </a:xfrm>
           <a:prstGeom prst="rect">
             <a:avLst/>
@@ -812,10 +793,7 @@
             <a:normAutofit/>
           </a:bodyPr>
           <a:p>
-            <a:endParaRPr b="0" lang="fr-FR" sz="5700" spc="-1" strike="noStrike">
-              <a:solidFill>
-                <a:srgbClr val="000000"/>
-              </a:solidFill>
+            <a:endParaRPr b="0" lang="en-US" sz="3200" spc="-1" strike="noStrike">
               <a:latin typeface="Arial"/>
             </a:endParaRPr>
           </a:p>
@@ -833,8 +811,8 @@
         </p:nvSpPr>
         <p:spPr>
           <a:xfrm>
-            <a:off x="629640" y="9666360"/>
-            <a:ext cx="3651120" cy="4980240"/>
+            <a:off x="630000" y="9666720"/>
+            <a:ext cx="3651120" cy="4980600"/>
           </a:xfrm>
           <a:prstGeom prst="rect">
             <a:avLst/>
@@ -845,10 +823,7 @@
             <a:normAutofit/>
           </a:bodyPr>
           <a:p>
-            <a:endParaRPr b="0" lang="fr-FR" sz="5700" spc="-1" strike="noStrike">
-              <a:solidFill>
-                <a:srgbClr val="000000"/>
-              </a:solidFill>
+            <a:endParaRPr b="0" lang="en-US" sz="3200" spc="-1" strike="noStrike">
               <a:latin typeface="Arial"/>
             </a:endParaRPr>
           </a:p>
@@ -866,8 +841,8 @@
         </p:nvSpPr>
         <p:spPr>
           <a:xfrm>
-            <a:off x="4463640" y="9666360"/>
-            <a:ext cx="3651120" cy="4980240"/>
+            <a:off x="4464000" y="9666720"/>
+            <a:ext cx="3651120" cy="4980600"/>
           </a:xfrm>
           <a:prstGeom prst="rect">
             <a:avLst/>
@@ -878,10 +853,7 @@
             <a:normAutofit/>
           </a:bodyPr>
           <a:p>
-            <a:endParaRPr b="0" lang="fr-FR" sz="5700" spc="-1" strike="noStrike">
-              <a:solidFill>
-                <a:srgbClr val="000000"/>
-              </a:solidFill>
+            <a:endParaRPr b="0" lang="en-US" sz="3200" spc="-1" strike="noStrike">
               <a:latin typeface="Arial"/>
             </a:endParaRPr>
           </a:p>
@@ -899,8 +871,8 @@
         </p:nvSpPr>
         <p:spPr>
           <a:xfrm>
-            <a:off x="8297640" y="9666360"/>
-            <a:ext cx="3651120" cy="4980240"/>
+            <a:off x="8298000" y="9666720"/>
+            <a:ext cx="3651120" cy="4980600"/>
           </a:xfrm>
           <a:prstGeom prst="rect">
             <a:avLst/>
@@ -911,10 +883,7 @@
             <a:normAutofit/>
           </a:bodyPr>
           <a:p>
-            <a:endParaRPr b="0" lang="fr-FR" sz="5700" spc="-1" strike="noStrike">
-              <a:solidFill>
-                <a:srgbClr val="000000"/>
-              </a:solidFill>
+            <a:endParaRPr b="0" lang="en-US" sz="3200" spc="-1" strike="noStrike">
               <a:latin typeface="Arial"/>
             </a:endParaRPr>
           </a:p>
@@ -954,8 +923,8 @@
         </p:nvSpPr>
         <p:spPr>
           <a:xfrm>
-            <a:off x="629640" y="718200"/>
-            <a:ext cx="11339280" cy="3006000"/>
+            <a:off x="630000" y="718200"/>
+            <a:ext cx="11339640" cy="3006000"/>
           </a:xfrm>
           <a:prstGeom prst="rect">
             <a:avLst/>
@@ -964,10 +933,8 @@
         <p:txBody>
           <a:bodyPr lIns="0" rIns="0" tIns="0" bIns="0" anchor="ctr"/>
           <a:p>
-            <a:endParaRPr b="0" lang="fr-FR" sz="3200" spc="-1" strike="noStrike">
-              <a:solidFill>
-                <a:srgbClr val="000000"/>
-              </a:solidFill>
+            <a:pPr algn="ctr"/>
+            <a:endParaRPr b="0" lang="en-US" sz="4400" spc="-1" strike="noStrike">
               <a:latin typeface="Arial"/>
             </a:endParaRPr>
           </a:p>
@@ -985,8 +952,8 @@
         </p:nvSpPr>
         <p:spPr>
           <a:xfrm>
-            <a:off x="629640" y="4212720"/>
-            <a:ext cx="11339280" cy="10441440"/>
+            <a:off x="630000" y="4212720"/>
+            <a:ext cx="11339640" cy="10441800"/>
           </a:xfrm>
           <a:prstGeom prst="rect">
             <a:avLst/>
@@ -1036,8 +1003,8 @@
         </p:nvSpPr>
         <p:spPr>
           <a:xfrm>
-            <a:off x="629640" y="718200"/>
-            <a:ext cx="11339280" cy="3006000"/>
+            <a:off x="630000" y="718200"/>
+            <a:ext cx="11339640" cy="3006000"/>
           </a:xfrm>
           <a:prstGeom prst="rect">
             <a:avLst/>
@@ -1046,10 +1013,8 @@
         <p:txBody>
           <a:bodyPr lIns="0" rIns="0" tIns="0" bIns="0" anchor="ctr"/>
           <a:p>
-            <a:endParaRPr b="0" lang="fr-FR" sz="3200" spc="-1" strike="noStrike">
-              <a:solidFill>
-                <a:srgbClr val="000000"/>
-              </a:solidFill>
+            <a:pPr algn="ctr"/>
+            <a:endParaRPr b="0" lang="en-US" sz="4400" spc="-1" strike="noStrike">
               <a:latin typeface="Arial"/>
             </a:endParaRPr>
           </a:p>
@@ -1067,8 +1032,8 @@
         </p:nvSpPr>
         <p:spPr>
           <a:xfrm>
-            <a:off x="629640" y="4212720"/>
-            <a:ext cx="11339280" cy="10441440"/>
+            <a:off x="630000" y="4212720"/>
+            <a:ext cx="11339640" cy="10441800"/>
           </a:xfrm>
           <a:prstGeom prst="rect">
             <a:avLst/>
@@ -1079,10 +1044,7 @@
             <a:normAutofit/>
           </a:bodyPr>
           <a:p>
-            <a:endParaRPr b="0" lang="fr-FR" sz="5700" spc="-1" strike="noStrike">
-              <a:solidFill>
-                <a:srgbClr val="000000"/>
-              </a:solidFill>
+            <a:endParaRPr b="0" lang="en-US" sz="3200" spc="-1" strike="noStrike">
               <a:latin typeface="Arial"/>
             </a:endParaRPr>
           </a:p>
@@ -1122,8 +1084,8 @@
         </p:nvSpPr>
         <p:spPr>
           <a:xfrm>
-            <a:off x="629640" y="718200"/>
-            <a:ext cx="11339280" cy="3006000"/>
+            <a:off x="630000" y="718200"/>
+            <a:ext cx="11339640" cy="3006000"/>
           </a:xfrm>
           <a:prstGeom prst="rect">
             <a:avLst/>
@@ -1132,10 +1094,8 @@
         <p:txBody>
           <a:bodyPr lIns="0" rIns="0" tIns="0" bIns="0" anchor="ctr"/>
           <a:p>
-            <a:endParaRPr b="0" lang="fr-FR" sz="3200" spc="-1" strike="noStrike">
-              <a:solidFill>
-                <a:srgbClr val="000000"/>
-              </a:solidFill>
+            <a:pPr algn="ctr"/>
+            <a:endParaRPr b="0" lang="en-US" sz="4400" spc="-1" strike="noStrike">
               <a:latin typeface="Arial"/>
             </a:endParaRPr>
           </a:p>
@@ -1153,8 +1113,8 @@
         </p:nvSpPr>
         <p:spPr>
           <a:xfrm>
-            <a:off x="629640" y="4212720"/>
-            <a:ext cx="5533560" cy="10441440"/>
+            <a:off x="630000" y="4212720"/>
+            <a:ext cx="5533560" cy="10441800"/>
           </a:xfrm>
           <a:prstGeom prst="rect">
             <a:avLst/>
@@ -1165,10 +1125,7 @@
             <a:normAutofit/>
           </a:bodyPr>
           <a:p>
-            <a:endParaRPr b="0" lang="fr-FR" sz="5700" spc="-1" strike="noStrike">
-              <a:solidFill>
-                <a:srgbClr val="000000"/>
-              </a:solidFill>
+            <a:endParaRPr b="0" lang="en-US" sz="3200" spc="-1" strike="noStrike">
               <a:latin typeface="Arial"/>
             </a:endParaRPr>
           </a:p>
@@ -1186,8 +1143,8 @@
         </p:nvSpPr>
         <p:spPr>
           <a:xfrm>
-            <a:off x="6440400" y="4212720"/>
-            <a:ext cx="5533560" cy="10441440"/>
+            <a:off x="6440760" y="4212720"/>
+            <a:ext cx="5533560" cy="10441800"/>
           </a:xfrm>
           <a:prstGeom prst="rect">
             <a:avLst/>
@@ -1198,10 +1155,7 @@
             <a:normAutofit/>
           </a:bodyPr>
           <a:p>
-            <a:endParaRPr b="0" lang="fr-FR" sz="5700" spc="-1" strike="noStrike">
-              <a:solidFill>
-                <a:srgbClr val="000000"/>
-              </a:solidFill>
+            <a:endParaRPr b="0" lang="en-US" sz="3200" spc="-1" strike="noStrike">
               <a:latin typeface="Arial"/>
             </a:endParaRPr>
           </a:p>
@@ -1241,8 +1195,8 @@
         </p:nvSpPr>
         <p:spPr>
           <a:xfrm>
-            <a:off x="629640" y="718200"/>
-            <a:ext cx="11339280" cy="3006000"/>
+            <a:off x="630000" y="718200"/>
+            <a:ext cx="11339640" cy="3006000"/>
           </a:xfrm>
           <a:prstGeom prst="rect">
             <a:avLst/>
@@ -1251,10 +1205,8 @@
         <p:txBody>
           <a:bodyPr lIns="0" rIns="0" tIns="0" bIns="0" anchor="ctr"/>
           <a:p>
-            <a:endParaRPr b="0" lang="fr-FR" sz="3200" spc="-1" strike="noStrike">
-              <a:solidFill>
-                <a:srgbClr val="000000"/>
-              </a:solidFill>
+            <a:pPr algn="ctr"/>
+            <a:endParaRPr b="0" lang="en-US" sz="4400" spc="-1" strike="noStrike">
               <a:latin typeface="Arial"/>
             </a:endParaRPr>
           </a:p>
@@ -1294,8 +1246,8 @@
         </p:nvSpPr>
         <p:spPr>
           <a:xfrm>
-            <a:off x="629640" y="718200"/>
-            <a:ext cx="11339280" cy="13935240"/>
+            <a:off x="630000" y="718200"/>
+            <a:ext cx="11339640" cy="13935240"/>
           </a:xfrm>
           <a:prstGeom prst="rect">
             <a:avLst/>
@@ -1345,8 +1297,8 @@
         </p:nvSpPr>
         <p:spPr>
           <a:xfrm>
-            <a:off x="629640" y="718200"/>
-            <a:ext cx="11339280" cy="3006000"/>
+            <a:off x="630000" y="718200"/>
+            <a:ext cx="11339640" cy="3006000"/>
           </a:xfrm>
           <a:prstGeom prst="rect">
             <a:avLst/>
@@ -1355,10 +1307,8 @@
         <p:txBody>
           <a:bodyPr lIns="0" rIns="0" tIns="0" bIns="0" anchor="ctr"/>
           <a:p>
-            <a:endParaRPr b="0" lang="fr-FR" sz="3200" spc="-1" strike="noStrike">
-              <a:solidFill>
-                <a:srgbClr val="000000"/>
-              </a:solidFill>
+            <a:pPr algn="ctr"/>
+            <a:endParaRPr b="0" lang="en-US" sz="4400" spc="-1" strike="noStrike">
               <a:latin typeface="Arial"/>
             </a:endParaRPr>
           </a:p>
@@ -1376,8 +1326,8 @@
         </p:nvSpPr>
         <p:spPr>
           <a:xfrm>
-            <a:off x="629640" y="4212720"/>
-            <a:ext cx="5533560" cy="4980240"/>
+            <a:off x="630000" y="4212720"/>
+            <a:ext cx="5533560" cy="4980600"/>
           </a:xfrm>
           <a:prstGeom prst="rect">
             <a:avLst/>
@@ -1388,10 +1338,7 @@
             <a:normAutofit/>
           </a:bodyPr>
           <a:p>
-            <a:endParaRPr b="0" lang="fr-FR" sz="5700" spc="-1" strike="noStrike">
-              <a:solidFill>
-                <a:srgbClr val="000000"/>
-              </a:solidFill>
+            <a:endParaRPr b="0" lang="en-US" sz="3200" spc="-1" strike="noStrike">
               <a:latin typeface="Arial"/>
             </a:endParaRPr>
           </a:p>
@@ -1409,8 +1356,8 @@
         </p:nvSpPr>
         <p:spPr>
           <a:xfrm>
-            <a:off x="6440400" y="4212720"/>
-            <a:ext cx="5533560" cy="10441440"/>
+            <a:off x="6440760" y="4212720"/>
+            <a:ext cx="5533560" cy="10441800"/>
           </a:xfrm>
           <a:prstGeom prst="rect">
             <a:avLst/>
@@ -1421,10 +1368,7 @@
             <a:normAutofit/>
           </a:bodyPr>
           <a:p>
-            <a:endParaRPr b="0" lang="fr-FR" sz="5700" spc="-1" strike="noStrike">
-              <a:solidFill>
-                <a:srgbClr val="000000"/>
-              </a:solidFill>
+            <a:endParaRPr b="0" lang="en-US" sz="3200" spc="-1" strike="noStrike">
               <a:latin typeface="Arial"/>
             </a:endParaRPr>
           </a:p>
@@ -1442,8 +1386,8 @@
         </p:nvSpPr>
         <p:spPr>
           <a:xfrm>
-            <a:off x="629640" y="9666360"/>
-            <a:ext cx="5533560" cy="4980240"/>
+            <a:off x="630000" y="9666720"/>
+            <a:ext cx="5533560" cy="4980600"/>
           </a:xfrm>
           <a:prstGeom prst="rect">
             <a:avLst/>
@@ -1454,10 +1398,7 @@
             <a:normAutofit/>
           </a:bodyPr>
           <a:p>
-            <a:endParaRPr b="0" lang="fr-FR" sz="5700" spc="-1" strike="noStrike">
-              <a:solidFill>
-                <a:srgbClr val="000000"/>
-              </a:solidFill>
+            <a:endParaRPr b="0" lang="en-US" sz="3200" spc="-1" strike="noStrike">
               <a:latin typeface="Arial"/>
             </a:endParaRPr>
           </a:p>
@@ -1497,8 +1438,8 @@
         </p:nvSpPr>
         <p:spPr>
           <a:xfrm>
-            <a:off x="629640" y="718200"/>
-            <a:ext cx="11339280" cy="3006000"/>
+            <a:off x="630000" y="718200"/>
+            <a:ext cx="11339640" cy="3006000"/>
           </a:xfrm>
           <a:prstGeom prst="rect">
             <a:avLst/>
@@ -1507,10 +1448,8 @@
         <p:txBody>
           <a:bodyPr lIns="0" rIns="0" tIns="0" bIns="0" anchor="ctr"/>
           <a:p>
-            <a:endParaRPr b="0" lang="fr-FR" sz="3200" spc="-1" strike="noStrike">
-              <a:solidFill>
-                <a:srgbClr val="000000"/>
-              </a:solidFill>
+            <a:pPr algn="ctr"/>
+            <a:endParaRPr b="0" lang="en-US" sz="4400" spc="-1" strike="noStrike">
               <a:latin typeface="Arial"/>
             </a:endParaRPr>
           </a:p>
@@ -1528,8 +1467,8 @@
         </p:nvSpPr>
         <p:spPr>
           <a:xfrm>
-            <a:off x="629640" y="4212720"/>
-            <a:ext cx="5533560" cy="10441440"/>
+            <a:off x="630000" y="4212720"/>
+            <a:ext cx="5533560" cy="10441800"/>
           </a:xfrm>
           <a:prstGeom prst="rect">
             <a:avLst/>
@@ -1540,10 +1479,7 @@
             <a:normAutofit/>
           </a:bodyPr>
           <a:p>
-            <a:endParaRPr b="0" lang="fr-FR" sz="5700" spc="-1" strike="noStrike">
-              <a:solidFill>
-                <a:srgbClr val="000000"/>
-              </a:solidFill>
+            <a:endParaRPr b="0" lang="en-US" sz="3200" spc="-1" strike="noStrike">
               <a:latin typeface="Arial"/>
             </a:endParaRPr>
           </a:p>
@@ -1561,8 +1497,8 @@
         </p:nvSpPr>
         <p:spPr>
           <a:xfrm>
-            <a:off x="6440400" y="4212720"/>
-            <a:ext cx="5533560" cy="4980240"/>
+            <a:off x="6440760" y="4212720"/>
+            <a:ext cx="5533560" cy="4980600"/>
           </a:xfrm>
           <a:prstGeom prst="rect">
             <a:avLst/>
@@ -1573,10 +1509,7 @@
             <a:normAutofit/>
           </a:bodyPr>
           <a:p>
-            <a:endParaRPr b="0" lang="fr-FR" sz="5700" spc="-1" strike="noStrike">
-              <a:solidFill>
-                <a:srgbClr val="000000"/>
-              </a:solidFill>
+            <a:endParaRPr b="0" lang="en-US" sz="3200" spc="-1" strike="noStrike">
               <a:latin typeface="Arial"/>
             </a:endParaRPr>
           </a:p>
@@ -1594,8 +1527,8 @@
         </p:nvSpPr>
         <p:spPr>
           <a:xfrm>
-            <a:off x="6440400" y="9666360"/>
-            <a:ext cx="5533560" cy="4980240"/>
+            <a:off x="6440760" y="9666720"/>
+            <a:ext cx="5533560" cy="4980600"/>
           </a:xfrm>
           <a:prstGeom prst="rect">
             <a:avLst/>
@@ -1606,10 +1539,7 @@
             <a:normAutofit/>
           </a:bodyPr>
           <a:p>
-            <a:endParaRPr b="0" lang="fr-FR" sz="5700" spc="-1" strike="noStrike">
-              <a:solidFill>
-                <a:srgbClr val="000000"/>
-              </a:solidFill>
+            <a:endParaRPr b="0" lang="en-US" sz="3200" spc="-1" strike="noStrike">
               <a:latin typeface="Arial"/>
             </a:endParaRPr>
           </a:p>
@@ -1649,8 +1579,8 @@
         </p:nvSpPr>
         <p:spPr>
           <a:xfrm>
-            <a:off x="629640" y="718200"/>
-            <a:ext cx="11339280" cy="3006000"/>
+            <a:off x="630000" y="718200"/>
+            <a:ext cx="11339640" cy="3006000"/>
           </a:xfrm>
           <a:prstGeom prst="rect">
             <a:avLst/>
@@ -1659,10 +1589,8 @@
         <p:txBody>
           <a:bodyPr lIns="0" rIns="0" tIns="0" bIns="0" anchor="ctr"/>
           <a:p>
-            <a:endParaRPr b="0" lang="fr-FR" sz="3200" spc="-1" strike="noStrike">
-              <a:solidFill>
-                <a:srgbClr val="000000"/>
-              </a:solidFill>
+            <a:pPr algn="ctr"/>
+            <a:endParaRPr b="0" lang="en-US" sz="4400" spc="-1" strike="noStrike">
               <a:latin typeface="Arial"/>
             </a:endParaRPr>
           </a:p>
@@ -1680,8 +1608,8 @@
         </p:nvSpPr>
         <p:spPr>
           <a:xfrm>
-            <a:off x="629640" y="4212720"/>
-            <a:ext cx="5533560" cy="4980240"/>
+            <a:off x="630000" y="4212720"/>
+            <a:ext cx="5533560" cy="4980600"/>
           </a:xfrm>
           <a:prstGeom prst="rect">
             <a:avLst/>
@@ -1692,10 +1620,7 @@
             <a:normAutofit/>
           </a:bodyPr>
           <a:p>
-            <a:endParaRPr b="0" lang="fr-FR" sz="5700" spc="-1" strike="noStrike">
-              <a:solidFill>
-                <a:srgbClr val="000000"/>
-              </a:solidFill>
+            <a:endParaRPr b="0" lang="en-US" sz="3200" spc="-1" strike="noStrike">
               <a:latin typeface="Arial"/>
             </a:endParaRPr>
           </a:p>
@@ -1713,8 +1638,8 @@
         </p:nvSpPr>
         <p:spPr>
           <a:xfrm>
-            <a:off x="6440400" y="4212720"/>
-            <a:ext cx="5533560" cy="4980240"/>
+            <a:off x="6440760" y="4212720"/>
+            <a:ext cx="5533560" cy="4980600"/>
           </a:xfrm>
           <a:prstGeom prst="rect">
             <a:avLst/>
@@ -1725,10 +1650,7 @@
             <a:normAutofit/>
           </a:bodyPr>
           <a:p>
-            <a:endParaRPr b="0" lang="fr-FR" sz="5700" spc="-1" strike="noStrike">
-              <a:solidFill>
-                <a:srgbClr val="000000"/>
-              </a:solidFill>
+            <a:endParaRPr b="0" lang="en-US" sz="3200" spc="-1" strike="noStrike">
               <a:latin typeface="Arial"/>
             </a:endParaRPr>
           </a:p>
@@ -1746,8 +1668,8 @@
         </p:nvSpPr>
         <p:spPr>
           <a:xfrm>
-            <a:off x="629640" y="9666360"/>
-            <a:ext cx="11339280" cy="4980240"/>
+            <a:off x="630000" y="9666720"/>
+            <a:ext cx="11339640" cy="4980600"/>
           </a:xfrm>
           <a:prstGeom prst="rect">
             <a:avLst/>
@@ -1758,10 +1680,7 @@
             <a:normAutofit/>
           </a:bodyPr>
           <a:p>
-            <a:endParaRPr b="0" lang="fr-FR" sz="5700" spc="-1" strike="noStrike">
-              <a:solidFill>
-                <a:srgbClr val="000000"/>
-              </a:solidFill>
+            <a:endParaRPr b="0" lang="en-US" sz="3200" spc="-1" strike="noStrike">
               <a:latin typeface="Arial"/>
             </a:endParaRPr>
           </a:p>
@@ -1809,7 +1728,7 @@
         <p:spPr>
           <a:xfrm>
             <a:off x="0" y="0"/>
-            <a:ext cx="12599640" cy="3419280"/>
+            <a:ext cx="12599280" cy="3418920"/>
           </a:xfrm>
           <a:prstGeom prst="rect">
             <a:avLst/>
@@ -1832,7 +1751,7 @@
         <p:spPr>
           <a:xfrm>
             <a:off x="0" y="17193240"/>
-            <a:ext cx="12599640" cy="810360"/>
+            <a:ext cx="12599280" cy="810000"/>
           </a:xfrm>
           <a:prstGeom prst="rect">
             <a:avLst/>
@@ -1854,8 +1773,8 @@
         </p:nvSpPr>
         <p:spPr>
           <a:xfrm>
-            <a:off x="629640" y="718200"/>
-            <a:ext cx="11339280" cy="3006000"/>
+            <a:off x="630000" y="718200"/>
+            <a:ext cx="11339640" cy="3006000"/>
           </a:xfrm>
           <a:prstGeom prst="rect">
             <a:avLst/>
@@ -1864,19 +1783,14 @@
         <p:txBody>
           <a:bodyPr lIns="0" rIns="0" tIns="0" bIns="0" anchor="ctr"/>
           <a:p>
-            <a:r>
-              <a:rPr b="0" lang="fr-FR" sz="3200" spc="-1" strike="noStrike">
-                <a:solidFill>
-                  <a:srgbClr val="000000"/>
-                </a:solidFill>
+            <a:pPr algn="ctr"/>
+            <a:r>
+              <a:rPr b="0" lang="en-US" sz="4400" spc="-1" strike="noStrike">
                 <a:latin typeface="Arial"/>
               </a:rPr>
               <a:t>Click to edit the title text format</a:t>
             </a:r>
-            <a:endParaRPr b="0" lang="fr-FR" sz="3200" spc="-1" strike="noStrike">
-              <a:solidFill>
-                <a:srgbClr val="000000"/>
-              </a:solidFill>
+            <a:endParaRPr b="0" lang="en-US" sz="4400" spc="-1" strike="noStrike">
               <a:latin typeface="Arial"/>
             </a:endParaRPr>
           </a:p>
@@ -1894,8 +1808,8 @@
         </p:nvSpPr>
         <p:spPr>
           <a:xfrm>
-            <a:off x="629640" y="4212720"/>
-            <a:ext cx="11339280" cy="10441440"/>
+            <a:off x="630000" y="4212720"/>
+            <a:ext cx="11339640" cy="10441800"/>
           </a:xfrm>
           <a:prstGeom prst="rect">
             <a:avLst/>
@@ -1918,18 +1832,12 @@
               <a:buChar char=""/>
             </a:pPr>
             <a:r>
-              <a:rPr b="0" lang="fr-FR" sz="5700" spc="-1" strike="noStrike">
-                <a:solidFill>
-                  <a:srgbClr val="000000"/>
-                </a:solidFill>
+              <a:rPr b="0" lang="en-US" sz="3200" spc="-1" strike="noStrike">
                 <a:latin typeface="Arial"/>
               </a:rPr>
               <a:t>Click to edit the outline text format</a:t>
             </a:r>
-            <a:endParaRPr b="0" lang="fr-FR" sz="5700" spc="-1" strike="noStrike">
-              <a:solidFill>
-                <a:srgbClr val="000000"/>
-              </a:solidFill>
+            <a:endParaRPr b="0" lang="en-US" sz="3200" spc="-1" strike="noStrike">
               <a:latin typeface="Arial"/>
             </a:endParaRPr>
           </a:p>
@@ -1946,18 +1854,12 @@
               <a:buChar char=""/>
             </a:pPr>
             <a:r>
-              <a:rPr b="0" lang="fr-FR" sz="4300" spc="-1" strike="noStrike">
-                <a:solidFill>
-                  <a:srgbClr val="000000"/>
-                </a:solidFill>
+              <a:rPr b="0" lang="en-US" sz="2800" spc="-1" strike="noStrike">
                 <a:latin typeface="Arial"/>
               </a:rPr>
               <a:t>Second Outline Level</a:t>
             </a:r>
-            <a:endParaRPr b="0" lang="fr-FR" sz="4300" spc="-1" strike="noStrike">
-              <a:solidFill>
-                <a:srgbClr val="000000"/>
-              </a:solidFill>
+            <a:endParaRPr b="0" lang="en-US" sz="2800" spc="-1" strike="noStrike">
               <a:latin typeface="Arial"/>
             </a:endParaRPr>
           </a:p>
@@ -1974,18 +1876,12 @@
               <a:buChar char=""/>
             </a:pPr>
             <a:r>
-              <a:rPr b="0" lang="fr-FR" sz="3600" spc="-1" strike="noStrike">
-                <a:solidFill>
-                  <a:srgbClr val="000000"/>
-                </a:solidFill>
+              <a:rPr b="0" lang="en-US" sz="2400" spc="-1" strike="noStrike">
                 <a:latin typeface="Arial"/>
               </a:rPr>
               <a:t>Third Outline Level</a:t>
             </a:r>
-            <a:endParaRPr b="0" lang="fr-FR" sz="3600" spc="-1" strike="noStrike">
-              <a:solidFill>
-                <a:srgbClr val="000000"/>
-              </a:solidFill>
+            <a:endParaRPr b="0" lang="en-US" sz="2400" spc="-1" strike="noStrike">
               <a:latin typeface="Arial"/>
             </a:endParaRPr>
           </a:p>
@@ -2002,18 +1898,12 @@
               <a:buChar char=""/>
             </a:pPr>
             <a:r>
-              <a:rPr b="0" lang="fr-FR" sz="3600" spc="-1" strike="noStrike">
-                <a:solidFill>
-                  <a:srgbClr val="000000"/>
-                </a:solidFill>
+              <a:rPr b="0" lang="en-US" sz="2000" spc="-1" strike="noStrike">
                 <a:latin typeface="Arial"/>
               </a:rPr>
               <a:t>Fourth Outline Level</a:t>
             </a:r>
-            <a:endParaRPr b="0" lang="fr-FR" sz="3600" spc="-1" strike="noStrike">
-              <a:solidFill>
-                <a:srgbClr val="000000"/>
-              </a:solidFill>
+            <a:endParaRPr b="0" lang="en-US" sz="2000" spc="-1" strike="noStrike">
               <a:latin typeface="Arial"/>
             </a:endParaRPr>
           </a:p>
@@ -2030,18 +1920,12 @@
               <a:buChar char=""/>
             </a:pPr>
             <a:r>
-              <a:rPr b="0" lang="fr-FR" sz="2000" spc="-1" strike="noStrike">
-                <a:solidFill>
-                  <a:srgbClr val="000000"/>
-                </a:solidFill>
+              <a:rPr b="0" lang="en-US" sz="2000" spc="-1" strike="noStrike">
                 <a:latin typeface="Arial"/>
               </a:rPr>
               <a:t>Fifth Outline Level</a:t>
             </a:r>
-            <a:endParaRPr b="0" lang="fr-FR" sz="2000" spc="-1" strike="noStrike">
-              <a:solidFill>
-                <a:srgbClr val="000000"/>
-              </a:solidFill>
+            <a:endParaRPr b="0" lang="en-US" sz="2000" spc="-1" strike="noStrike">
               <a:latin typeface="Arial"/>
             </a:endParaRPr>
           </a:p>
@@ -2058,18 +1942,12 @@
               <a:buChar char=""/>
             </a:pPr>
             <a:r>
-              <a:rPr b="0" lang="fr-FR" sz="2000" spc="-1" strike="noStrike">
-                <a:solidFill>
-                  <a:srgbClr val="000000"/>
-                </a:solidFill>
+              <a:rPr b="0" lang="en-US" sz="2000" spc="-1" strike="noStrike">
                 <a:latin typeface="Arial"/>
               </a:rPr>
               <a:t>Sixth Outline Level</a:t>
             </a:r>
-            <a:endParaRPr b="0" lang="fr-FR" sz="2000" spc="-1" strike="noStrike">
-              <a:solidFill>
-                <a:srgbClr val="000000"/>
-              </a:solidFill>
+            <a:endParaRPr b="0" lang="en-US" sz="2000" spc="-1" strike="noStrike">
               <a:latin typeface="Arial"/>
             </a:endParaRPr>
           </a:p>
@@ -2086,18 +1964,12 @@
               <a:buChar char=""/>
             </a:pPr>
             <a:r>
-              <a:rPr b="0" lang="fr-FR" sz="2000" spc="-1" strike="noStrike">
-                <a:solidFill>
-                  <a:srgbClr val="000000"/>
-                </a:solidFill>
+              <a:rPr b="0" lang="en-US" sz="2000" spc="-1" strike="noStrike">
                 <a:latin typeface="Arial"/>
               </a:rPr>
               <a:t>Seventh Outline Level</a:t>
             </a:r>
-            <a:endParaRPr b="0" lang="fr-FR" sz="2000" spc="-1" strike="noStrike">
-              <a:solidFill>
-                <a:srgbClr val="000000"/>
-              </a:solidFill>
+            <a:endParaRPr b="0" lang="en-US" sz="2000" spc="-1" strike="noStrike">
               <a:latin typeface="Arial"/>
             </a:endParaRPr>
           </a:p>
@@ -2148,8 +2020,175 @@
         </p:nvSpPr>
         <p:spPr>
           <a:xfrm>
-            <a:off x="720" y="3446640"/>
-            <a:ext cx="6115320" cy="13246200"/>
+            <a:off x="3322440" y="162000"/>
+            <a:ext cx="9243720" cy="2072520"/>
+          </a:xfrm>
+          <a:prstGeom prst="rect">
+            <a:avLst/>
+          </a:prstGeom>
+          <a:noFill/>
+          <a:ln>
+            <a:noFill/>
+          </a:ln>
+        </p:spPr>
+        <p:style>
+          <a:lnRef idx="0"/>
+          <a:fillRef idx="0"/>
+          <a:effectRef idx="0"/>
+          <a:fontRef idx="minor"/>
+        </p:style>
+        <p:txBody>
+          <a:bodyPr lIns="0" rIns="0" tIns="0" bIns="0" anchor="ctr"/>
+          <a:p>
+            <a:pPr algn="ctr">
+              <a:lnSpc>
+                <a:spcPct val="100000"/>
+              </a:lnSpc>
+            </a:pPr>
+            <a:r>
+              <a:rPr b="1" lang="en-US" sz="3200" spc="-1" strike="noStrike">
+                <a:solidFill>
+                  <a:srgbClr val="ffffff"/>
+                </a:solidFill>
+                <a:latin typeface="Arial"/>
+                <a:ea typeface="DejaVu Sans"/>
+              </a:rPr>
+              <a:t>Performance of the ATLAS RPC detector and trigger at 13 TeV</a:t>
+            </a:r>
+            <a:endParaRPr b="0" lang="en-US" sz="3200" spc="-1" strike="noStrike">
+              <a:latin typeface="Arial"/>
+            </a:endParaRPr>
+          </a:p>
+        </p:txBody>
+      </p:sp>
+      <p:sp>
+        <p:nvSpPr>
+          <p:cNvPr id="47" name="CustomShape 2"/>
+          <p:cNvSpPr/>
+          <p:nvPr/>
+        </p:nvSpPr>
+        <p:spPr>
+          <a:xfrm>
+            <a:off x="318240" y="17498520"/>
+            <a:ext cx="10365120" cy="608760"/>
+          </a:xfrm>
+          <a:prstGeom prst="rect">
+            <a:avLst/>
+          </a:prstGeom>
+          <a:noFill/>
+          <a:ln>
+            <a:noFill/>
+          </a:ln>
+        </p:spPr>
+        <p:style>
+          <a:lnRef idx="0"/>
+          <a:fillRef idx="0"/>
+          <a:effectRef idx="0"/>
+          <a:fontRef idx="minor"/>
+        </p:style>
+        <p:txBody>
+          <a:bodyPr lIns="0" rIns="0" tIns="0" bIns="0" anchor="ctr"/>
+          <a:p>
+            <a:pPr>
+              <a:lnSpc>
+                <a:spcPct val="100000"/>
+              </a:lnSpc>
+            </a:pPr>
+            <a:r>
+              <a:rPr b="0" lang="en-US" sz="1800" spc="-1" strike="noStrike">
+                <a:solidFill>
+                  <a:srgbClr val="ffffff"/>
+                </a:solidFill>
+                <a:latin typeface="Arial"/>
+                <a:ea typeface="DejaVu Sans"/>
+              </a:rPr>
+              <a:t>Heng Li (University of Science and Technology of China)  on behalf of the ATLAS Collaboration  </a:t>
+            </a:r>
+            <a:endParaRPr b="0" lang="en-US" sz="1800" spc="-1" strike="noStrike">
+              <a:latin typeface="Arial"/>
+            </a:endParaRPr>
+          </a:p>
+          <a:p>
+            <a:pPr>
+              <a:lnSpc>
+                <a:spcPct val="100000"/>
+              </a:lnSpc>
+            </a:pPr>
+            <a:r>
+              <a:rPr b="0" lang="en-US" sz="1800" spc="-1" strike="noStrike">
+                <a:solidFill>
+                  <a:srgbClr val="ffffff"/>
+                </a:solidFill>
+                <a:latin typeface="Arial Narrow"/>
+                <a:ea typeface="DejaVu Sans"/>
+              </a:rPr>
+              <a:t> </a:t>
+            </a:r>
+            <a:endParaRPr b="0" lang="en-US" sz="1800" spc="-1" strike="noStrike">
+              <a:latin typeface="Arial"/>
+            </a:endParaRPr>
+          </a:p>
+        </p:txBody>
+      </p:sp>
+      <p:sp>
+        <p:nvSpPr>
+          <p:cNvPr id="48" name="CustomShape 3"/>
+          <p:cNvSpPr/>
+          <p:nvPr/>
+        </p:nvSpPr>
+        <p:spPr>
+          <a:xfrm>
+            <a:off x="4795560" y="90000"/>
+            <a:ext cx="7205760" cy="425160"/>
+          </a:xfrm>
+          <a:prstGeom prst="rect">
+            <a:avLst/>
+          </a:prstGeom>
+          <a:noFill/>
+          <a:ln>
+            <a:noFill/>
+          </a:ln>
+        </p:spPr>
+        <p:style>
+          <a:lnRef idx="0"/>
+          <a:fillRef idx="0"/>
+          <a:effectRef idx="0"/>
+          <a:fontRef idx="minor"/>
+        </p:style>
+        <p:txBody>
+          <a:bodyPr lIns="90000" rIns="90000" tIns="45000" bIns="45000"/>
+          <a:p>
+            <a:pPr>
+              <a:lnSpc>
+                <a:spcPct val="100000"/>
+              </a:lnSpc>
+            </a:pPr>
+            <a:r>
+              <a:rPr b="0" lang="en-US" sz="2200" spc="-1" strike="noStrike">
+                <a:solidFill>
+                  <a:srgbClr val="ffffff"/>
+                </a:solidFill>
+                <a:latin typeface="Arial"/>
+                <a:ea typeface="DejaVu Sans"/>
+              </a:rPr>
+              <a:t>LHCC Poster Session - CERN, 27 February 2019</a:t>
+            </a:r>
+            <a:endParaRPr b="0" lang="en-US" sz="2200" spc="-1" strike="noStrike">
+              <a:latin typeface="Arial"/>
+            </a:endParaRPr>
+          </a:p>
+        </p:txBody>
+      </p:sp>
+      <p:sp>
+        <p:nvSpPr>
+          <p:cNvPr id="49" name="CustomShape 4"/>
+          <p:cNvSpPr/>
+          <p:nvPr/>
+        </p:nvSpPr>
+        <p:spPr>
+          <a:xfrm>
+            <a:off x="3109680" y="2147400"/>
+            <a:ext cx="9491400" cy="1355760"/>
           </a:xfrm>
           <a:prstGeom prst="rect">
             <a:avLst/>
@@ -2170,70 +2209,47 @@
           <a:effectRef idx="0"/>
           <a:fontRef idx="minor"/>
         </p:style>
-      </p:sp>
-      <p:pic>
-        <p:nvPicPr>
-          <p:cNvPr id="47" name="Picture 40" descr=""/>
-          <p:cNvPicPr/>
-          <p:nvPr/>
-        </p:nvPicPr>
-        <p:blipFill>
-          <a:blip r:embed="rId1"/>
-          <a:srcRect l="0" t="3456" r="4533" b="0"/>
-          <a:stretch/>
-        </p:blipFill>
-        <p:spPr>
-          <a:xfrm>
-            <a:off x="157320" y="11020320"/>
-            <a:ext cx="2823480" cy="1944000"/>
-          </a:xfrm>
-          <a:prstGeom prst="rect">
-            <a:avLst/>
-          </a:prstGeom>
-          <a:ln>
-            <a:noFill/>
-          </a:ln>
-        </p:spPr>
-      </p:pic>
-      <p:pic>
-        <p:nvPicPr>
-          <p:cNvPr id="48" name="Picture 36" descr=""/>
-          <p:cNvPicPr/>
-          <p:nvPr/>
-        </p:nvPicPr>
-        <p:blipFill>
-          <a:blip r:embed="rId2"/>
-          <a:srcRect l="0" t="3633" r="4679" b="0"/>
-          <a:stretch/>
-        </p:blipFill>
-        <p:spPr>
-          <a:xfrm>
-            <a:off x="157320" y="9076680"/>
-            <a:ext cx="2823480" cy="1943280"/>
-          </a:xfrm>
-          <a:prstGeom prst="rect">
-            <a:avLst/>
-          </a:prstGeom>
-          <a:ln>
-            <a:noFill/>
-          </a:ln>
-        </p:spPr>
-      </p:pic>
-      <p:sp>
-        <p:nvSpPr>
-          <p:cNvPr id="49" name="CustomShape 2"/>
+        <p:txBody>
+          <a:bodyPr lIns="0" rIns="0" tIns="0" bIns="0"/>
+          <a:p>
+            <a:pPr>
+              <a:lnSpc>
+                <a:spcPct val="100000"/>
+              </a:lnSpc>
+            </a:pPr>
+            <a:r>
+              <a:rPr b="0" lang="en-US" sz="2000" spc="-1" strike="noStrike">
+                <a:solidFill>
+                  <a:srgbClr val="000000"/>
+                </a:solidFill>
+                <a:latin typeface="Arial"/>
+                <a:ea typeface="DejaVu Sans"/>
+              </a:rPr>
+              <a:t> </a:t>
+            </a:r>
+            <a:endParaRPr b="0" lang="en-US" sz="2000" spc="-1" strike="noStrike">
+              <a:latin typeface="Arial"/>
+            </a:endParaRPr>
+          </a:p>
+        </p:txBody>
+      </p:sp>
+      <p:sp>
+        <p:nvSpPr>
+          <p:cNvPr id="50" name="CustomShape 5"/>
           <p:cNvSpPr/>
           <p:nvPr/>
         </p:nvSpPr>
         <p:spPr>
           <a:xfrm>
-            <a:off x="3322440" y="162000"/>
-            <a:ext cx="9244080" cy="2072880"/>
-          </a:xfrm>
-          <a:prstGeom prst="rect">
-            <a:avLst/>
-          </a:prstGeom>
-          <a:noFill/>
+            <a:off x="0" y="3434040"/>
+            <a:ext cx="6084000" cy="364320"/>
+          </a:xfrm>
+          <a:prstGeom prst="rect">
+            <a:avLst/>
+          </a:prstGeom>
+          <a:solidFill>
+            <a:srgbClr val="2462a1"/>
+          </a:solidFill>
           <a:ln>
             <a:noFill/>
           </a:ln>
@@ -2245,43 +2261,46 @@
           <a:fontRef idx="minor"/>
         </p:style>
         <p:txBody>
-          <a:bodyPr lIns="0" rIns="0" tIns="0" bIns="0" anchor="ctr"/>
-          <a:p>
-            <a:pPr algn="ctr">
+          <a:bodyPr lIns="90000" rIns="90000" tIns="45000" bIns="45000"/>
+          <a:p>
+            <a:pPr>
               <a:lnSpc>
                 <a:spcPct val="100000"/>
               </a:lnSpc>
             </a:pPr>
             <a:r>
-              <a:rPr b="1" lang="en-US" sz="3200" spc="-1" strike="noStrike">
+              <a:rPr b="1" lang="en-US" sz="1800" spc="-1" strike="noStrike">
                 <a:solidFill>
                   <a:srgbClr val="ffffff"/>
                 </a:solidFill>
                 <a:latin typeface="Arial"/>
-              </a:rPr>
-              <a:t>Performance of the ATLAS RPC detector and trigger at 13 TeV</a:t>
-            </a:r>
-            <a:endParaRPr b="0" lang="en-US" sz="3200" spc="-1" strike="noStrike">
-              <a:latin typeface="Arial"/>
-            </a:endParaRPr>
-          </a:p>
-        </p:txBody>
-      </p:sp>
-      <p:sp>
-        <p:nvSpPr>
-          <p:cNvPr id="50" name="CustomShape 3"/>
+                <a:ea typeface="DejaVu Sans"/>
+              </a:rPr>
+              <a:t>The ATLAS RPC Detector and Trigger System </a:t>
+            </a:r>
+            <a:endParaRPr b="0" lang="en-US" sz="1800" spc="-1" strike="noStrike">
+              <a:latin typeface="Arial"/>
+            </a:endParaRPr>
+          </a:p>
+        </p:txBody>
+      </p:sp>
+      <p:sp>
+        <p:nvSpPr>
+          <p:cNvPr id="51" name="CustomShape 6"/>
           <p:cNvSpPr/>
           <p:nvPr/>
         </p:nvSpPr>
         <p:spPr>
           <a:xfrm>
-            <a:off x="318240" y="17498520"/>
-            <a:ext cx="10365480" cy="609120"/>
-          </a:xfrm>
-          <a:prstGeom prst="rect">
-            <a:avLst/>
-          </a:prstGeom>
-          <a:noFill/>
+            <a:off x="6127200" y="3434040"/>
+            <a:ext cx="6449760" cy="364320"/>
+          </a:xfrm>
+          <a:prstGeom prst="rect">
+            <a:avLst/>
+          </a:prstGeom>
+          <a:solidFill>
+            <a:srgbClr val="2462a1"/>
+          </a:solidFill>
           <a:ln>
             <a:noFill/>
           </a:ln>
@@ -2293,7 +2312,7 @@
           <a:fontRef idx="minor"/>
         </p:style>
         <p:txBody>
-          <a:bodyPr lIns="0" rIns="0" tIns="0" bIns="0" anchor="ctr"/>
+          <a:bodyPr lIns="90000" rIns="90000" tIns="45000" bIns="45000"/>
           <a:p>
             <a:pPr>
               <a:lnSpc>
@@ -2301,54 +2320,38 @@
               </a:lnSpc>
             </a:pPr>
             <a:r>
-              <a:rPr b="0" lang="en-US" sz="1800" spc="-1" strike="noStrike">
+              <a:rPr b="1" lang="en-US" sz="1800" spc="-1" strike="noStrike">
                 <a:solidFill>
                   <a:srgbClr val="ffffff"/>
                 </a:solidFill>
                 <a:latin typeface="Arial"/>
-              </a:rPr>
-              <a:t>Heng Li (University of Science and Technology of China)  on behalf of the ATLAS Collaboration  </a:t>
+                <a:ea typeface="DejaVu Sans"/>
+              </a:rPr>
+              <a:t>Trigger timing performance</a:t>
             </a:r>
             <a:endParaRPr b="0" lang="en-US" sz="1800" spc="-1" strike="noStrike">
               <a:latin typeface="Arial"/>
             </a:endParaRPr>
           </a:p>
-          <a:p>
-            <a:pPr>
-              <a:lnSpc>
-                <a:spcPct val="100000"/>
-              </a:lnSpc>
-            </a:pPr>
-            <a:r>
-              <a:rPr b="0" lang="en-US" sz="1800" spc="-1" strike="noStrike">
-                <a:solidFill>
-                  <a:srgbClr val="ffffff"/>
-                </a:solidFill>
-                <a:latin typeface="Arial Narrow"/>
-              </a:rPr>
-              <a:t> </a:t>
-            </a:r>
-            <a:endParaRPr b="0" lang="en-US" sz="1800" spc="-1" strike="noStrike">
-              <a:latin typeface="Arial"/>
-            </a:endParaRPr>
-          </a:p>
-        </p:txBody>
-      </p:sp>
-      <p:sp>
-        <p:nvSpPr>
-          <p:cNvPr id="51" name="CustomShape 4"/>
+        </p:txBody>
+      </p:sp>
+      <p:sp>
+        <p:nvSpPr>
+          <p:cNvPr id="52" name="CustomShape 7"/>
           <p:cNvSpPr/>
           <p:nvPr/>
         </p:nvSpPr>
         <p:spPr>
           <a:xfrm>
-            <a:off x="4795560" y="90000"/>
-            <a:ext cx="7206120" cy="425520"/>
-          </a:xfrm>
-          <a:prstGeom prst="rect">
-            <a:avLst/>
-          </a:prstGeom>
-          <a:noFill/>
+            <a:off x="17280" y="13706640"/>
+            <a:ext cx="6109200" cy="364320"/>
+          </a:xfrm>
+          <a:prstGeom prst="rect">
+            <a:avLst/>
+          </a:prstGeom>
+          <a:solidFill>
+            <a:srgbClr val="2462a1"/>
+          </a:solidFill>
           <a:ln>
             <a:noFill/>
           </a:ln>
@@ -2368,39 +2371,37 @@
               </a:lnSpc>
             </a:pPr>
             <a:r>
-              <a:rPr b="0" lang="en-US" sz="2200" spc="-1" strike="noStrike">
+              <a:rPr b="1" lang="en-US" sz="1800" spc="-1" strike="noStrike">
                 <a:solidFill>
                   <a:srgbClr val="ffffff"/>
                 </a:solidFill>
                 <a:latin typeface="Arial"/>
-              </a:rPr>
-              <a:t>LHCC Poster Session - CERN, 27 February 2019</a:t>
-            </a:r>
-            <a:endParaRPr b="0" lang="en-US" sz="2200" spc="-1" strike="noStrike">
-              <a:latin typeface="Arial"/>
-            </a:endParaRPr>
-          </a:p>
-        </p:txBody>
-      </p:sp>
-      <p:sp>
-        <p:nvSpPr>
-          <p:cNvPr id="52" name="CustomShape 5"/>
+                <a:ea typeface="DejaVu Sans"/>
+              </a:rPr>
+              <a:t>Trigger efficiency vs. offline muon φ </a:t>
+            </a:r>
+            <a:endParaRPr b="0" lang="en-US" sz="1800" spc="-1" strike="noStrike">
+              <a:latin typeface="Arial"/>
+            </a:endParaRPr>
+          </a:p>
+        </p:txBody>
+      </p:sp>
+      <p:sp>
+        <p:nvSpPr>
+          <p:cNvPr id="53" name="CustomShape 8"/>
           <p:cNvSpPr/>
           <p:nvPr/>
         </p:nvSpPr>
         <p:spPr>
           <a:xfrm>
-            <a:off x="3109680" y="2147400"/>
-            <a:ext cx="9491760" cy="1356120"/>
+            <a:off x="6153840" y="12342960"/>
+            <a:ext cx="6402600" cy="364320"/>
           </a:xfrm>
           <a:prstGeom prst="rect">
             <a:avLst/>
           </a:prstGeom>
           <a:solidFill>
-            <a:schemeClr val="accent1">
-              <a:lumMod val="20000"/>
-              <a:lumOff val="80000"/>
-            </a:schemeClr>
+            <a:srgbClr val="2462a1"/>
           </a:solidFill>
           <a:ln>
             <a:noFill/>
@@ -2413,7 +2414,7 @@
           <a:fontRef idx="minor"/>
         </p:style>
         <p:txBody>
-          <a:bodyPr lIns="0" rIns="0" tIns="0" bIns="0"/>
+          <a:bodyPr lIns="90000" rIns="90000" tIns="45000" bIns="45000"/>
           <a:p>
             <a:pPr>
               <a:lnSpc>
@@ -2421,30 +2422,41 @@
               </a:lnSpc>
             </a:pPr>
             <a:r>
-              <a:rPr b="0" lang="en-US" sz="2000" spc="-1" strike="noStrike">
-                <a:solidFill>
-                  <a:srgbClr val="000000"/>
-                </a:solidFill>
-                <a:latin typeface="Arial"/>
-              </a:rPr>
-              <a:t> </a:t>
-            </a:r>
-            <a:endParaRPr b="0" lang="en-US" sz="2000" spc="-1" strike="noStrike">
-              <a:latin typeface="Arial"/>
-            </a:endParaRPr>
-          </a:p>
-        </p:txBody>
-      </p:sp>
-      <p:sp>
-        <p:nvSpPr>
-          <p:cNvPr id="53" name="CustomShape 6"/>
+              <a:rPr b="1" lang="en-US" sz="1800" spc="-1" strike="noStrike">
+                <a:solidFill>
+                  <a:srgbClr val="ffffff"/>
+                </a:solidFill>
+                <a:latin typeface="Arial"/>
+                <a:ea typeface="Noto Sans CJK SC Regular"/>
+              </a:rPr>
+              <a:t>Trigger efficiency vs. offline muon η/</a:t>
+            </a:r>
+            <a:r>
+              <a:rPr b="1" lang="en-US" sz="1800" spc="-1" strike="noStrike">
+                <a:solidFill>
+                  <a:srgbClr val="ffffff"/>
+                </a:solidFill>
+                <a:latin typeface="Arial"/>
+                <a:ea typeface="DejaVu Sans"/>
+              </a:rPr>
+              <a:t>φ</a:t>
+            </a:r>
+            <a:endParaRPr b="0" lang="en-US" sz="1800" spc="-1" strike="noStrike">
+              <a:latin typeface="Arial"/>
+            </a:endParaRPr>
+          </a:p>
+        </p:txBody>
+      </p:sp>
+      <p:sp>
+        <p:nvSpPr>
+          <p:cNvPr id="54" name="CustomShape 9"/>
           <p:cNvSpPr/>
           <p:nvPr/>
         </p:nvSpPr>
         <p:spPr>
           <a:xfrm>
-            <a:off x="0" y="3434040"/>
-            <a:ext cx="6084360" cy="364680"/>
+            <a:off x="3128400" y="2160000"/>
+            <a:ext cx="9453240" cy="364320"/>
           </a:xfrm>
           <a:prstGeom prst="rect">
             <a:avLst/>
@@ -2476,8 +2488,9 @@
                   <a:srgbClr val="ffffff"/>
                 </a:solidFill>
                 <a:latin typeface="Arial"/>
-              </a:rPr>
-              <a:t>The ATLAS RPC Detector and Trigger System </a:t>
+                <a:ea typeface="DejaVu Sans"/>
+              </a:rPr>
+              <a:t>Introduction</a:t>
             </a:r>
             <a:endParaRPr b="0" lang="en-US" sz="1800" spc="-1" strike="noStrike">
               <a:latin typeface="Arial"/>
@@ -2487,21 +2500,19 @@
       </p:sp>
       <p:sp>
         <p:nvSpPr>
-          <p:cNvPr id="54" name="CustomShape 7"/>
+          <p:cNvPr id="55" name="CustomShape 10"/>
           <p:cNvSpPr/>
           <p:nvPr/>
         </p:nvSpPr>
         <p:spPr>
           <a:xfrm>
-            <a:off x="6127200" y="3434040"/>
-            <a:ext cx="6450120" cy="364680"/>
-          </a:xfrm>
-          <a:prstGeom prst="rect">
-            <a:avLst/>
-          </a:prstGeom>
-          <a:solidFill>
-            <a:srgbClr val="2462a1"/>
-          </a:solidFill>
+            <a:off x="3101400" y="2505240"/>
+            <a:ext cx="9495720" cy="942480"/>
+          </a:xfrm>
+          <a:prstGeom prst="rect">
+            <a:avLst/>
+          </a:prstGeom>
+          <a:noFill/>
           <a:ln>
             <a:noFill/>
           </a:ln>
@@ -2521,37 +2532,36 @@
               </a:lnSpc>
             </a:pPr>
             <a:r>
-              <a:rPr b="1" lang="en-US" sz="1800" spc="-1" strike="noStrike">
-                <a:solidFill>
-                  <a:srgbClr val="ffffff"/>
-                </a:solidFill>
-                <a:latin typeface="Arial"/>
-              </a:rPr>
-              <a:t>Trigger timing performance</a:t>
-            </a:r>
-            <a:endParaRPr b="0" lang="en-US" sz="1800" spc="-1" strike="noStrike">
-              <a:latin typeface="Arial"/>
-            </a:endParaRPr>
-          </a:p>
-        </p:txBody>
-      </p:sp>
-      <p:sp>
-        <p:nvSpPr>
-          <p:cNvPr id="55" name="CustomShape 8"/>
+              <a:rPr b="0" lang="en-US" sz="1400" spc="-1" strike="noStrike">
+                <a:solidFill>
+                  <a:srgbClr val="000000"/>
+                </a:solidFill>
+                <a:latin typeface="Arial"/>
+                <a:ea typeface="DejaVu Sans"/>
+              </a:rPr>
+              <a:t>The ATLAS experiment utilises the Resistive Plate Chambers detector (RPC) for the first level muon trigger system in the barrel region of the detector. This poster presents measurements of RPC detector and trigger performance using proton-proton collisions at a centre-of-mass energy of 13 TeV collected in 2018, showing results in terms of the trigger timing and efficiency.</a:t>
+            </a:r>
+            <a:endParaRPr b="0" lang="en-US" sz="1400" spc="-1" strike="noStrike">
+              <a:latin typeface="Arial"/>
+            </a:endParaRPr>
+          </a:p>
+        </p:txBody>
+      </p:sp>
+      <p:sp>
+        <p:nvSpPr>
+          <p:cNvPr id="56" name="CustomShape 11"/>
           <p:cNvSpPr/>
           <p:nvPr/>
         </p:nvSpPr>
         <p:spPr>
           <a:xfrm>
-            <a:off x="17280" y="13706640"/>
-            <a:ext cx="6109560" cy="364680"/>
-          </a:xfrm>
-          <a:prstGeom prst="rect">
-            <a:avLst/>
-          </a:prstGeom>
-          <a:solidFill>
-            <a:srgbClr val="2462a1"/>
-          </a:solidFill>
+            <a:off x="151920" y="3931200"/>
+            <a:ext cx="2591280" cy="2371680"/>
+          </a:xfrm>
+          <a:prstGeom prst="rect">
+            <a:avLst/>
+          </a:prstGeom>
+          <a:noFill/>
           <a:ln>
             <a:noFill/>
           </a:ln>
@@ -2571,236 +2581,31 @@
               </a:lnSpc>
             </a:pPr>
             <a:r>
-              <a:rPr b="1" lang="en-US" sz="1800" spc="-1" strike="noStrike">
-                <a:solidFill>
-                  <a:srgbClr val="ffffff"/>
-                </a:solidFill>
-                <a:latin typeface="Arial"/>
-              </a:rPr>
-              <a:t>Trigger efficiency vs. offline muon φ </a:t>
-            </a:r>
-            <a:endParaRPr b="0" lang="en-US" sz="1800" spc="-1" strike="noStrike">
-              <a:latin typeface="Arial"/>
-            </a:endParaRPr>
-          </a:p>
-        </p:txBody>
-      </p:sp>
-      <p:sp>
-        <p:nvSpPr>
-          <p:cNvPr id="56" name="CustomShape 9"/>
-          <p:cNvSpPr/>
-          <p:nvPr/>
-        </p:nvSpPr>
-        <p:spPr>
-          <a:xfrm>
-            <a:off x="6153840" y="12342960"/>
-            <a:ext cx="6402960" cy="364680"/>
-          </a:xfrm>
-          <a:prstGeom prst="rect">
-            <a:avLst/>
-          </a:prstGeom>
-          <a:solidFill>
-            <a:srgbClr val="2462a1"/>
-          </a:solidFill>
-          <a:ln>
-            <a:noFill/>
-          </a:ln>
-        </p:spPr>
-        <p:style>
-          <a:lnRef idx="0"/>
-          <a:fillRef idx="0"/>
-          <a:effectRef idx="0"/>
-          <a:fontRef idx="minor"/>
-        </p:style>
-        <p:txBody>
-          <a:bodyPr lIns="90000" rIns="90000" tIns="45000" bIns="45000"/>
+              <a:rPr b="0" lang="en-US" sz="1200" spc="-1" strike="noStrike">
+                <a:solidFill>
+                  <a:srgbClr val="000000"/>
+                </a:solidFill>
+                <a:latin typeface="Arial"/>
+                <a:ea typeface="DejaVu Sans"/>
+              </a:rPr>
+              <a:t>The present ATLAS muon trigger in the barrel region based on</a:t>
+            </a:r>
+            <a:endParaRPr b="0" lang="en-US" sz="1200" spc="-1" strike="noStrike">
+              <a:latin typeface="Arial"/>
+            </a:endParaRPr>
+          </a:p>
           <a:p>
             <a:pPr>
               <a:lnSpc>
                 <a:spcPct val="100000"/>
               </a:lnSpc>
             </a:pPr>
-            <a:r>
-              <a:rPr b="1" lang="en-US" sz="1800" spc="-1" strike="noStrike">
-                <a:solidFill>
-                  <a:srgbClr val="ffffff"/>
-                </a:solidFill>
-                <a:latin typeface="Arial"/>
-                <a:ea typeface="Noto Sans CJK SC Regular"/>
-              </a:rPr>
-              <a:t>Trigger efficiency vs. offline muon η/</a:t>
-            </a:r>
-            <a:r>
-              <a:rPr b="1" lang="en-US" sz="1800" spc="-1" strike="noStrike">
-                <a:solidFill>
-                  <a:srgbClr val="ffffff"/>
-                </a:solidFill>
-                <a:latin typeface="Arial"/>
-              </a:rPr>
-              <a:t>φ</a:t>
-            </a:r>
-            <a:endParaRPr b="0" lang="en-US" sz="1800" spc="-1" strike="noStrike">
-              <a:latin typeface="Arial"/>
-            </a:endParaRPr>
-          </a:p>
-        </p:txBody>
-      </p:sp>
-      <p:sp>
-        <p:nvSpPr>
-          <p:cNvPr id="57" name="CustomShape 10"/>
-          <p:cNvSpPr/>
-          <p:nvPr/>
-        </p:nvSpPr>
-        <p:spPr>
-          <a:xfrm>
-            <a:off x="3128400" y="2160000"/>
-            <a:ext cx="9453600" cy="364680"/>
-          </a:xfrm>
-          <a:prstGeom prst="rect">
-            <a:avLst/>
-          </a:prstGeom>
-          <a:solidFill>
-            <a:srgbClr val="2462a1"/>
-          </a:solidFill>
-          <a:ln>
-            <a:noFill/>
-          </a:ln>
-        </p:spPr>
-        <p:style>
-          <a:lnRef idx="0"/>
-          <a:fillRef idx="0"/>
-          <a:effectRef idx="0"/>
-          <a:fontRef idx="minor"/>
-        </p:style>
-        <p:txBody>
-          <a:bodyPr lIns="90000" rIns="90000" tIns="45000" bIns="45000"/>
-          <a:p>
-            <a:pPr>
-              <a:lnSpc>
-                <a:spcPct val="100000"/>
-              </a:lnSpc>
-            </a:pPr>
-            <a:r>
-              <a:rPr b="1" lang="en-US" sz="1800" spc="-1" strike="noStrike">
-                <a:solidFill>
-                  <a:srgbClr val="ffffff"/>
-                </a:solidFill>
-                <a:latin typeface="Arial"/>
-              </a:rPr>
-              <a:t>Introduction</a:t>
-            </a:r>
-            <a:endParaRPr b="0" lang="en-US" sz="1800" spc="-1" strike="noStrike">
-              <a:latin typeface="Arial"/>
-            </a:endParaRPr>
-          </a:p>
-        </p:txBody>
-      </p:sp>
-      <p:sp>
-        <p:nvSpPr>
-          <p:cNvPr id="58" name="CustomShape 11"/>
-          <p:cNvSpPr/>
-          <p:nvPr/>
-        </p:nvSpPr>
-        <p:spPr>
-          <a:xfrm>
-            <a:off x="3101400" y="2505240"/>
-            <a:ext cx="9496080" cy="942840"/>
-          </a:xfrm>
-          <a:prstGeom prst="rect">
-            <a:avLst/>
-          </a:prstGeom>
-          <a:noFill/>
-          <a:ln>
-            <a:noFill/>
-          </a:ln>
-        </p:spPr>
-        <p:style>
-          <a:lnRef idx="0"/>
-          <a:fillRef idx="0"/>
-          <a:effectRef idx="0"/>
-          <a:fontRef idx="minor"/>
-        </p:style>
-        <p:txBody>
-          <a:bodyPr lIns="90000" rIns="90000" tIns="45000" bIns="45000"/>
-          <a:p>
-            <a:pPr>
-              <a:lnSpc>
-                <a:spcPct val="100000"/>
-              </a:lnSpc>
-            </a:pPr>
-            <a:r>
-              <a:rPr b="0" lang="en-US" sz="1400" spc="-1" strike="noStrike">
-                <a:solidFill>
-                  <a:srgbClr val="000000"/>
-                </a:solidFill>
-                <a:latin typeface="Arial"/>
-              </a:rPr>
-              <a:t>The ATLAS experiment utilises the Resistive Plate Chambers detector (RPC) for the first level muon trigger system in the barrel region of the detector. This poster presents measurements of RPC detector and trigger performance using proton-proton collisions at a centre-of-mass energy of 13 TeV collected in 2018, showing results in terms of the trigger timing and efficiency.</a:t>
-            </a:r>
-            <a:endParaRPr b="0" lang="en-US" sz="1400" spc="-1" strike="noStrike">
-              <a:latin typeface="Arial"/>
-            </a:endParaRPr>
-          </a:p>
-        </p:txBody>
-      </p:sp>
-      <p:sp>
-        <p:nvSpPr>
-          <p:cNvPr id="59" name="CustomShape 12"/>
-          <p:cNvSpPr/>
-          <p:nvPr/>
-        </p:nvSpPr>
-        <p:spPr>
-          <a:xfrm>
-            <a:off x="151920" y="3931200"/>
-            <a:ext cx="2332080" cy="2372040"/>
-          </a:xfrm>
-          <a:prstGeom prst="rect">
-            <a:avLst/>
-          </a:prstGeom>
-          <a:noFill/>
-          <a:ln>
-            <a:noFill/>
-          </a:ln>
-        </p:spPr>
-        <p:style>
-          <a:lnRef idx="0"/>
-          <a:fillRef idx="0"/>
-          <a:effectRef idx="0"/>
-          <a:fontRef idx="minor"/>
-        </p:style>
-        <p:txBody>
-          <a:bodyPr lIns="90000" rIns="90000" tIns="45000" bIns="45000"/>
-          <a:p>
-            <a:pPr>
-              <a:lnSpc>
-                <a:spcPct val="100000"/>
-              </a:lnSpc>
-            </a:pPr>
-            <a:r>
-              <a:rPr b="0" lang="en-US" sz="1200" spc="-1" strike="noStrike">
-                <a:solidFill>
-                  <a:srgbClr val="000000"/>
-                </a:solidFill>
-                <a:latin typeface="Arial"/>
-              </a:rPr>
-              <a:t>The present ATLAS muon trigger in the barrel region based on</a:t>
-            </a:r>
             <a:endParaRPr b="0" lang="en-US" sz="1200" spc="-1" strike="noStrike">
               <a:latin typeface="Arial"/>
             </a:endParaRPr>
           </a:p>
           <a:p>
-            <a:pPr>
-              <a:lnSpc>
-                <a:spcPct val="100000"/>
-              </a:lnSpc>
-            </a:pPr>
-            <a:endParaRPr b="0" lang="en-US" sz="1200" spc="-1" strike="noStrike">
-              <a:latin typeface="Arial"/>
-            </a:endParaRPr>
-          </a:p>
-          <a:p>
-            <a:pPr marL="171360" indent="-171000">
+            <a:pPr marL="171360" indent="-170640">
               <a:lnSpc>
                 <a:spcPct val="100000"/>
               </a:lnSpc>
@@ -2816,6 +2621,7 @@
                   <a:srgbClr val="000000"/>
                 </a:solidFill>
                 <a:latin typeface="Arial"/>
+                <a:ea typeface="DejaVu Sans"/>
               </a:rPr>
               <a:t>3 concentric RPC layers</a:t>
             </a:r>
@@ -2824,7 +2630,7 @@
             </a:endParaRPr>
           </a:p>
           <a:p>
-            <a:pPr marL="171360" indent="-171000">
+            <a:pPr marL="171360" indent="-170640">
               <a:lnSpc>
                 <a:spcPct val="100000"/>
               </a:lnSpc>
@@ -2840,15 +2646,16 @@
                   <a:srgbClr val="000000"/>
                 </a:solidFill>
                 <a:latin typeface="Arial"/>
-              </a:rPr>
-              <a:t>16 physical sectors</a:t>
+                <a:ea typeface="DejaVu Sans"/>
+              </a:rPr>
+              <a:t>16 physical sectors, 37</a:t>
             </a:r>
             <a:endParaRPr b="0" lang="en-US" sz="1200" spc="-1" strike="noStrike">
               <a:latin typeface="Arial"/>
             </a:endParaRPr>
           </a:p>
           <a:p>
-            <a:pPr marL="171360" indent="-171000">
+            <a:pPr marL="171360" indent="-170640">
               <a:lnSpc>
                 <a:spcPct val="100000"/>
               </a:lnSpc>
@@ -2864,6 +2671,7 @@
                   <a:srgbClr val="000000"/>
                 </a:solidFill>
                 <a:latin typeface="Arial"/>
+                <a:ea typeface="DejaVu Sans"/>
               </a:rPr>
               <a:t>each physical sector is segmented in 2 trigger sectors</a:t>
             </a:r>
@@ -2872,7 +2680,7 @@
             </a:endParaRPr>
           </a:p>
           <a:p>
-            <a:pPr marL="171360" indent="-171000">
+            <a:pPr marL="171360" indent="-170640">
               <a:lnSpc>
                 <a:spcPct val="100000"/>
               </a:lnSpc>
@@ -2888,6 +2696,7 @@
                   <a:srgbClr val="000000"/>
                 </a:solidFill>
                 <a:latin typeface="Arial"/>
+                <a:ea typeface="DejaVu Sans"/>
               </a:rPr>
               <a:t>totally 64 trigger sectors in side A and side C</a:t>
             </a:r>
@@ -2896,7 +2705,7 @@
             </a:endParaRPr>
           </a:p>
           <a:p>
-            <a:pPr marL="171360" indent="-171000">
+            <a:pPr marL="171360" indent="-170640">
               <a:lnSpc>
                 <a:spcPct val="100000"/>
               </a:lnSpc>
@@ -2912,6 +2721,7 @@
                   <a:srgbClr val="000000"/>
                 </a:solidFill>
                 <a:latin typeface="Arial"/>
+                <a:ea typeface="DejaVu Sans"/>
               </a:rPr>
               <a:t>each trigger sector is segmented along η in towers</a:t>
             </a:r>
@@ -2923,14 +2733,14 @@
       </p:sp>
       <p:sp>
         <p:nvSpPr>
-          <p:cNvPr id="60" name="CustomShape 13"/>
+          <p:cNvPr id="57" name="CustomShape 12"/>
           <p:cNvSpPr/>
           <p:nvPr/>
         </p:nvSpPr>
         <p:spPr>
           <a:xfrm>
             <a:off x="6207840" y="10212840"/>
-            <a:ext cx="2550600" cy="1824480"/>
+            <a:ext cx="2550240" cy="1824120"/>
           </a:xfrm>
           <a:prstGeom prst="rect">
             <a:avLst/>
@@ -2960,6 +2770,7 @@
                   <a:srgbClr val="000000"/>
                 </a:solidFill>
                 <a:latin typeface="Arial"/>
+                <a:ea typeface="DejaVu Sans"/>
               </a:rPr>
               <a:t>Plateau value of the trigger efficiency as a function of time [2]. </a:t>
             </a:r>
@@ -2978,7 +2789,7 @@
             </a:endParaRPr>
           </a:p>
           <a:p>
-            <a:pPr marL="171360" indent="-171000">
+            <a:pPr marL="171360" indent="-170640">
               <a:lnSpc>
                 <a:spcPct val="100000"/>
               </a:lnSpc>
@@ -2994,6 +2805,7 @@
                   <a:srgbClr val="000000"/>
                 </a:solidFill>
                 <a:latin typeface="Arial"/>
+                <a:ea typeface="DejaVu Sans"/>
               </a:rPr>
               <a:t>each point corresponds to a different ATLAS run recorded in 2017</a:t>
             </a:r>
@@ -3002,7 +2814,7 @@
             </a:endParaRPr>
           </a:p>
           <a:p>
-            <a:pPr marL="171360" indent="-171000">
+            <a:pPr marL="171360" indent="-170640">
               <a:lnSpc>
                 <a:spcPct val="100000"/>
               </a:lnSpc>
@@ -3018,6 +2830,7 @@
                   <a:srgbClr val="000000"/>
                 </a:solidFill>
                 <a:latin typeface="Arial"/>
+                <a:ea typeface="DejaVu Sans"/>
               </a:rPr>
               <a:t>only runs with integrated luminosity greater than 50 pb</a:t>
             </a:r>
@@ -3027,6 +2840,7 @@
                   <a:srgbClr val="000000"/>
                 </a:solidFill>
                 <a:latin typeface="Arial"/>
+                <a:ea typeface="DejaVu Sans"/>
               </a:rPr>
               <a:t>-1</a:t>
             </a:r>
@@ -3036,6 +2850,7 @@
                   <a:srgbClr val="000000"/>
                 </a:solidFill>
                 <a:latin typeface="Arial"/>
+                <a:ea typeface="DejaVu Sans"/>
               </a:rPr>
               <a:t> and at least 1000 muons collected are used</a:t>
             </a:r>
@@ -3047,14 +2862,14 @@
       </p:sp>
       <p:sp>
         <p:nvSpPr>
-          <p:cNvPr id="61" name="CustomShape 14"/>
+          <p:cNvPr id="58" name="CustomShape 13"/>
           <p:cNvSpPr/>
           <p:nvPr/>
         </p:nvSpPr>
         <p:spPr>
           <a:xfrm>
             <a:off x="28080" y="16049160"/>
-            <a:ext cx="6076440" cy="637920"/>
+            <a:ext cx="6076080" cy="637560"/>
           </a:xfrm>
           <a:prstGeom prst="rect">
             <a:avLst/>
@@ -3070,39 +2885,17 @@
           <a:effectRef idx="0"/>
           <a:fontRef idx="minor"/>
         </p:style>
-        <p:txBody>
-          <a:bodyPr lIns="90000" rIns="90000" tIns="45000" bIns="45000"/>
-          <a:p>
-            <a:pPr>
-              <a:lnSpc>
-                <a:spcPct val="100000"/>
-              </a:lnSpc>
-            </a:pPr>
-            <a:r>
-              <a:rPr b="0" lang="en-US" sz="1200" spc="-1" strike="noStrike">
-                <a:solidFill>
-                  <a:srgbClr val="000000"/>
-                </a:solidFill>
-                <a:latin typeface="Arial"/>
-              </a:rPr>
-              <a:t>Efficiency of L1 MU10 and MU11 trigger in 2017 and comparison with 2016 trigger efficiency. The efficiency is plotted as a function of φ of offline muon candidates in the barrel detector region [2].</a:t>
-            </a:r>
-            <a:endParaRPr b="0" lang="en-US" sz="1200" spc="-1" strike="noStrike">
-              <a:latin typeface="Arial"/>
-            </a:endParaRPr>
-          </a:p>
-        </p:txBody>
-      </p:sp>
-      <p:sp>
-        <p:nvSpPr>
-          <p:cNvPr id="62" name="CustomShape 15"/>
+      </p:sp>
+      <p:sp>
+        <p:nvSpPr>
+          <p:cNvPr id="59" name="CustomShape 14"/>
           <p:cNvSpPr/>
           <p:nvPr/>
         </p:nvSpPr>
         <p:spPr>
           <a:xfrm>
             <a:off x="6105600" y="15897960"/>
-            <a:ext cx="6460920" cy="1209600"/>
+            <a:ext cx="6460560" cy="1209240"/>
           </a:xfrm>
           <a:prstGeom prst="rect">
             <a:avLst/>
@@ -3121,7 +2914,7 @@
         <p:txBody>
           <a:bodyPr lIns="90000" rIns="90000" tIns="45000" bIns="45000"/>
           <a:p>
-            <a:pPr marL="171360" indent="-171000">
+            <a:pPr marL="171360" indent="-170640">
               <a:lnSpc>
                 <a:spcPct val="100000"/>
               </a:lnSpc>
@@ -3137,24 +2930,16 @@
                   <a:srgbClr val="000000"/>
                 </a:solidFill>
                 <a:latin typeface="Arial"/>
-              </a:rPr>
-              <a:t>slight decrease in trigger efficiency in 2017 mainly due to gas leaks </a:t>
-            </a:r>
-            <a:r>
-              <a:rPr b="1" lang="en-US" sz="1200" spc="-1" strike="noStrike">
-                <a:solidFill>
-                  <a:srgbClr val="000000"/>
-                </a:solidFill>
-                <a:latin typeface="Arial"/>
-              </a:rPr>
-              <a:t>→ HV disconnected</a:t>
+                <a:ea typeface="DejaVu Sans"/>
+              </a:rPr>
+              <a:t>slight decrease in trigger efficiency in 2017 mainly due to gas leaks → HV disconnected</a:t>
             </a:r>
             <a:endParaRPr b="0" lang="en-US" sz="1200" spc="-1" strike="noStrike">
               <a:latin typeface="Arial"/>
             </a:endParaRPr>
           </a:p>
           <a:p>
-            <a:pPr marL="171360" indent="-171000">
+            <a:pPr marL="171360" indent="-170640">
               <a:lnSpc>
                 <a:spcPct val="100000"/>
               </a:lnSpc>
@@ -3170,6 +2955,7 @@
                   <a:srgbClr val="000000"/>
                 </a:solidFill>
                 <a:latin typeface="Arial"/>
+                <a:ea typeface="DejaVu Sans"/>
               </a:rPr>
               <a:t>efficiency gained in the feet sectors credited with re-cabling of the high p</a:t>
             </a:r>
@@ -3179,6 +2965,7 @@
                   <a:srgbClr val="000000"/>
                 </a:solidFill>
                 <a:latin typeface="Arial"/>
+                <a:ea typeface="DejaVu Sans"/>
               </a:rPr>
               <a:t>T</a:t>
             </a:r>
@@ -3188,6 +2975,7 @@
                   <a:srgbClr val="000000"/>
                 </a:solidFill>
                 <a:latin typeface="Arial"/>
+                <a:ea typeface="DejaVu Sans"/>
               </a:rPr>
               <a:t> feet trigger performed in the 2016-2017 shutdown</a:t>
             </a:r>
@@ -3196,7 +2984,7 @@
             </a:endParaRPr>
           </a:p>
           <a:p>
-            <a:pPr marL="171360" indent="-171000">
+            <a:pPr marL="171360" indent="-170640">
               <a:lnSpc>
                 <a:spcPct val="100000"/>
               </a:lnSpc>
@@ -3212,6 +3000,7 @@
                   <a:srgbClr val="000000"/>
                 </a:solidFill>
                 <a:latin typeface="Arial"/>
+                <a:ea typeface="DejaVu Sans"/>
               </a:rPr>
               <a:t>improvement in sector 13 where the "elevator" chambers in Medium Layer work now </a:t>
             </a:r>
@@ -3223,14 +3012,14 @@
       </p:sp>
       <p:sp>
         <p:nvSpPr>
-          <p:cNvPr id="63" name="CustomShape 16"/>
+          <p:cNvPr id="60" name="CustomShape 15"/>
           <p:cNvSpPr/>
           <p:nvPr/>
         </p:nvSpPr>
         <p:spPr>
           <a:xfrm>
             <a:off x="156240" y="6482880"/>
-            <a:ext cx="2347200" cy="2055960"/>
+            <a:ext cx="2346840" cy="2055600"/>
           </a:xfrm>
           <a:prstGeom prst="rect">
             <a:avLst/>
@@ -3260,6 +3049,7 @@
                   <a:srgbClr val="000000"/>
                 </a:solidFill>
                 <a:latin typeface="Arial"/>
+                <a:ea typeface="DejaVu Sans"/>
               </a:rPr>
               <a:t>The Level-1 (L1) trigger algorithm is based on hit coincidence of 3 concentric RPC stations</a:t>
             </a:r>
@@ -3278,7 +3068,7 @@
             </a:endParaRPr>
           </a:p>
           <a:p>
-            <a:pPr marL="171360" indent="-171000">
+            <a:pPr marL="171360" indent="-170640">
               <a:lnSpc>
                 <a:spcPct val="100000"/>
               </a:lnSpc>
@@ -3294,6 +3084,7 @@
                   <a:srgbClr val="000000"/>
                 </a:solidFill>
                 <a:latin typeface="Arial"/>
+                <a:ea typeface="DejaVu Sans"/>
               </a:rPr>
               <a:t>Low p</a:t>
             </a:r>
@@ -3303,6 +3094,7 @@
                   <a:srgbClr val="000000"/>
                 </a:solidFill>
                 <a:latin typeface="Arial"/>
+                <a:ea typeface="DejaVu Sans"/>
               </a:rPr>
               <a:t>T</a:t>
             </a:r>
@@ -3312,6 +3104,7 @@
                   <a:srgbClr val="000000"/>
                 </a:solidFill>
                 <a:latin typeface="Arial"/>
+                <a:ea typeface="DejaVu Sans"/>
               </a:rPr>
               <a:t> trigger: coincidence between the innermost two RPC stations</a:t>
             </a:r>
@@ -3320,7 +3113,7 @@
             </a:endParaRPr>
           </a:p>
           <a:p>
-            <a:pPr marL="171360" indent="-171000">
+            <a:pPr marL="171360" indent="-170640">
               <a:lnSpc>
                 <a:spcPct val="100000"/>
               </a:lnSpc>
@@ -3336,6 +3129,7 @@
                   <a:srgbClr val="000000"/>
                 </a:solidFill>
                 <a:latin typeface="Arial"/>
+                <a:ea typeface="DejaVu Sans"/>
               </a:rPr>
               <a:t>High p</a:t>
             </a:r>
@@ -3345,6 +3139,7 @@
                   <a:srgbClr val="000000"/>
                 </a:solidFill>
                 <a:latin typeface="Arial"/>
+                <a:ea typeface="DejaVu Sans"/>
               </a:rPr>
               <a:t>T</a:t>
             </a:r>
@@ -3354,6 +3149,7 @@
                   <a:srgbClr val="000000"/>
                 </a:solidFill>
                 <a:latin typeface="Arial"/>
+                <a:ea typeface="DejaVu Sans"/>
               </a:rPr>
               <a:t> trigger: additional confirmation on the third external station</a:t>
             </a:r>
@@ -3365,14 +3161,14 @@
       </p:sp>
       <p:sp>
         <p:nvSpPr>
-          <p:cNvPr id="64" name="CustomShape 17"/>
+          <p:cNvPr id="61" name="CustomShape 16"/>
           <p:cNvSpPr/>
           <p:nvPr/>
         </p:nvSpPr>
         <p:spPr>
           <a:xfrm>
             <a:off x="6159600" y="6136560"/>
-            <a:ext cx="3074400" cy="820440"/>
+            <a:ext cx="3074040" cy="820080"/>
           </a:xfrm>
           <a:prstGeom prst="rect">
             <a:avLst/>
@@ -3402,6 +3198,7 @@
                   <a:srgbClr val="000000"/>
                 </a:solidFill>
                 <a:latin typeface="Arial"/>
+                <a:ea typeface="DejaVu Sans"/>
               </a:rPr>
               <a:t>Fraction of RPC trigger hits associated to the correct BC [1] for each of the barrel muon trigger towers for one example run in 2017  [2]. </a:t>
             </a:r>
@@ -3413,14 +3210,14 @@
       </p:sp>
       <p:sp>
         <p:nvSpPr>
-          <p:cNvPr id="65" name="CustomShape 18"/>
+          <p:cNvPr id="62" name="CustomShape 17"/>
           <p:cNvSpPr/>
           <p:nvPr/>
         </p:nvSpPr>
         <p:spPr>
           <a:xfrm>
             <a:off x="9253800" y="6105600"/>
-            <a:ext cx="3292200" cy="1027080"/>
+            <a:ext cx="3291840" cy="1026720"/>
           </a:xfrm>
           <a:prstGeom prst="rect">
             <a:avLst/>
@@ -3450,6 +3247,7 @@
                   <a:srgbClr val="000000"/>
                 </a:solidFill>
                 <a:latin typeface="Arial"/>
+                <a:ea typeface="DejaVu Sans"/>
               </a:rPr>
               <a:t>Fraction for the whole RPC trigger system as a function of time. Each point corresponds to a different ATLAS run recorded in 2017 [2]. The fraction of high p</a:t>
             </a:r>
@@ -3459,6 +3257,7 @@
                   <a:srgbClr val="000000"/>
                 </a:solidFill>
                 <a:latin typeface="Arial"/>
+                <a:ea typeface="DejaVu Sans"/>
               </a:rPr>
               <a:t>T</a:t>
             </a:r>
@@ -3468,6 +3267,7 @@
                   <a:srgbClr val="000000"/>
                 </a:solidFill>
                 <a:latin typeface="Arial"/>
+                <a:ea typeface="DejaVu Sans"/>
               </a:rPr>
               <a:t> muons associated to the correct BC is 99.6% [1].</a:t>
             </a:r>
@@ -3479,14 +3279,14 @@
       </p:sp>
       <p:sp>
         <p:nvSpPr>
-          <p:cNvPr id="66" name="CustomShape 19"/>
+          <p:cNvPr id="63" name="CustomShape 18"/>
           <p:cNvSpPr/>
           <p:nvPr/>
         </p:nvSpPr>
         <p:spPr>
           <a:xfrm>
             <a:off x="84960" y="12934800"/>
-            <a:ext cx="5935680" cy="820440"/>
+            <a:ext cx="5935320" cy="820080"/>
           </a:xfrm>
           <a:prstGeom prst="rect">
             <a:avLst/>
@@ -3516,6 +3316,7 @@
                   <a:srgbClr val="000000"/>
                 </a:solidFill>
                 <a:latin typeface="Arial"/>
+                <a:ea typeface="DejaVu Sans"/>
               </a:rPr>
               <a:t>Efficiency of L1 MU10 and MU11 trigger in 2017 including (in green) or excluding (yellow) the newly commissioned trigger chambers in the “feet” region of the ATLAS Muon Spectrometer as a function of η of  the offline muon candidates in the barrel detector region, for sector 12 and 14 of the “feet” region [2]. </a:t>
             </a:r>
@@ -3527,14 +3328,14 @@
       </p:sp>
       <p:sp>
         <p:nvSpPr>
-          <p:cNvPr id="67" name="CustomShape 20"/>
+          <p:cNvPr id="64" name="CustomShape 19"/>
           <p:cNvSpPr/>
           <p:nvPr/>
         </p:nvSpPr>
         <p:spPr>
           <a:xfrm>
             <a:off x="6207120" y="7805520"/>
-            <a:ext cx="2550600" cy="2055960"/>
+            <a:ext cx="2550240" cy="2055600"/>
           </a:xfrm>
           <a:prstGeom prst="rect">
             <a:avLst/>
@@ -3564,6 +3365,7 @@
                   <a:srgbClr val="000000"/>
                 </a:solidFill>
                 <a:latin typeface="Arial"/>
+                <a:ea typeface="DejaVu Sans"/>
               </a:rPr>
               <a:t>L1 muon barrel trigger efficiency for reconstructed muons as a function of transverse momentum is shown for 6 L1 thresholds [2]. </a:t>
             </a:r>
@@ -3582,7 +3384,7 @@
             </a:endParaRPr>
           </a:p>
           <a:p>
-            <a:pPr marL="171360" indent="-171000">
+            <a:pPr marL="171360" indent="-170640">
               <a:lnSpc>
                 <a:spcPct val="100000"/>
               </a:lnSpc>
@@ -3598,6 +3400,7 @@
                   <a:srgbClr val="000000"/>
                 </a:solidFill>
                 <a:latin typeface="Arial"/>
+                <a:ea typeface="DejaVu Sans"/>
               </a:rPr>
               <a:t>efficiencies for the low p</a:t>
             </a:r>
@@ -3607,6 +3410,7 @@
                   <a:srgbClr val="000000"/>
                 </a:solidFill>
                 <a:latin typeface="Arial"/>
+                <a:ea typeface="DejaVu Sans"/>
               </a:rPr>
               <a:t>T</a:t>
             </a:r>
@@ -3616,6 +3420,7 @@
                   <a:srgbClr val="000000"/>
                 </a:solidFill>
                 <a:latin typeface="Arial"/>
+                <a:ea typeface="DejaVu Sans"/>
               </a:rPr>
               <a:t> trigger thresholds (MU4, MU6, MU10) reach a plateau of about 80% </a:t>
             </a:r>
@@ -3624,7 +3429,7 @@
             </a:endParaRPr>
           </a:p>
           <a:p>
-            <a:pPr marL="171360" indent="-171000">
+            <a:pPr marL="171360" indent="-170640">
               <a:lnSpc>
                 <a:spcPct val="100000"/>
               </a:lnSpc>
@@ -3640,6 +3445,7 @@
                   <a:srgbClr val="000000"/>
                 </a:solidFill>
                 <a:latin typeface="Arial"/>
+                <a:ea typeface="DejaVu Sans"/>
               </a:rPr>
               <a:t>efficiencies for high p</a:t>
             </a:r>
@@ -3649,6 +3455,7 @@
                   <a:srgbClr val="000000"/>
                 </a:solidFill>
                 <a:latin typeface="Arial"/>
+                <a:ea typeface="DejaVu Sans"/>
               </a:rPr>
               <a:t>T</a:t>
             </a:r>
@@ -3658,6 +3465,7 @@
                   <a:srgbClr val="000000"/>
                 </a:solidFill>
                 <a:latin typeface="Arial"/>
+                <a:ea typeface="DejaVu Sans"/>
               </a:rPr>
               <a:t> trigger thresholds (MU11, MU20, MU21) rise to around 70% [1] </a:t>
             </a:r>
@@ -3669,14 +3477,14 @@
       </p:sp>
       <p:sp>
         <p:nvSpPr>
-          <p:cNvPr id="68" name="CustomShape 21"/>
+          <p:cNvPr id="65" name="CustomShape 20"/>
           <p:cNvSpPr/>
           <p:nvPr/>
         </p:nvSpPr>
         <p:spPr>
           <a:xfrm>
             <a:off x="6155640" y="7079040"/>
-            <a:ext cx="6397920" cy="401400"/>
+            <a:ext cx="6397560" cy="401040"/>
           </a:xfrm>
           <a:prstGeom prst="rect">
             <a:avLst/>
@@ -3708,6 +3516,7 @@
                   <a:srgbClr val="ffffff"/>
                 </a:solidFill>
                 <a:latin typeface="Arial"/>
+                <a:ea typeface="DejaVu Sans"/>
               </a:rPr>
               <a:t>Trigger efficiency vs. offline muon p</a:t>
             </a:r>
@@ -3717,6 +3526,7 @@
                   <a:srgbClr val="ffffff"/>
                 </a:solidFill>
                 <a:latin typeface="Arial"/>
+                <a:ea typeface="DejaVu Sans"/>
               </a:rPr>
               <a:t>T</a:t>
             </a:r>
@@ -3728,19 +3538,19 @@
       </p:sp>
       <p:pic>
         <p:nvPicPr>
-          <p:cNvPr id="69" name="Picture 19" descr=""/>
+          <p:cNvPr id="66" name="Picture 19" descr=""/>
           <p:cNvPicPr/>
           <p:nvPr/>
         </p:nvPicPr>
         <p:blipFill>
-          <a:blip r:embed="rId3"/>
+          <a:blip r:embed="rId1"/>
           <a:srcRect l="840" t="1132" r="-1495" b="0"/>
           <a:stretch/>
         </p:blipFill>
         <p:spPr>
           <a:xfrm>
             <a:off x="2798280" y="6311160"/>
-            <a:ext cx="3174120" cy="2405520"/>
+            <a:ext cx="3173760" cy="2405160"/>
           </a:xfrm>
           <a:prstGeom prst="rect">
             <a:avLst/>
@@ -3752,14 +3562,14 @@
       </p:pic>
       <p:sp>
         <p:nvSpPr>
-          <p:cNvPr id="70" name="CustomShape 22"/>
+          <p:cNvPr id="67" name="CustomShape 21"/>
           <p:cNvSpPr/>
           <p:nvPr/>
         </p:nvSpPr>
         <p:spPr>
           <a:xfrm>
-            <a:off x="1115640" y="10932120"/>
-            <a:ext cx="955800" cy="272880"/>
+            <a:off x="-6840" y="8706960"/>
+            <a:ext cx="6090840" cy="364320"/>
           </a:xfrm>
           <a:prstGeom prst="rect">
             <a:avLst/>
@@ -3768,9 +3578,7 @@
             <a:srgbClr val="2462a1"/>
           </a:solidFill>
           <a:ln>
-            <a:solidFill>
-              <a:schemeClr val="accent1"/>
-            </a:solidFill>
+            <a:noFill/>
           </a:ln>
         </p:spPr>
         <p:style>
@@ -3782,43 +3590,65 @@
         <p:txBody>
           <a:bodyPr lIns="90000" rIns="90000" tIns="45000" bIns="45000"/>
           <a:p>
-            <a:pPr algn="ctr">
+            <a:pPr>
               <a:lnSpc>
                 <a:spcPct val="100000"/>
               </a:lnSpc>
             </a:pPr>
             <a:r>
-              <a:rPr b="1" lang="en-US" sz="1200" spc="-1" strike="noStrike">
+              <a:rPr b="1" lang="en-US" sz="1800" spc="-1" strike="noStrike">
                 <a:solidFill>
                   <a:srgbClr val="ffffff"/>
                 </a:solidFill>
                 <a:latin typeface="Arial"/>
-              </a:rPr>
-              <a:t>sector 12</a:t>
-            </a:r>
-            <a:endParaRPr b="0" lang="en-US" sz="1200" spc="-1" strike="noStrike">
-              <a:latin typeface="Arial"/>
-            </a:endParaRPr>
-          </a:p>
-        </p:txBody>
-      </p:sp>
-      <p:sp>
-        <p:nvSpPr>
-          <p:cNvPr id="71" name="CustomShape 23"/>
+                <a:ea typeface="DejaVu Sans"/>
+              </a:rPr>
+              <a:t>Trigger efficiency vs. offline muon η </a:t>
+            </a:r>
+            <a:endParaRPr b="0" lang="en-US" sz="1800" spc="-1" strike="noStrike">
+              <a:latin typeface="Arial"/>
+            </a:endParaRPr>
+          </a:p>
+        </p:txBody>
+      </p:sp>
+      <p:pic>
+        <p:nvPicPr>
+          <p:cNvPr id="68" name="Picture 51" descr=""/>
+          <p:cNvPicPr/>
+          <p:nvPr/>
+        </p:nvPicPr>
+        <p:blipFill>
+          <a:blip r:embed="rId2"/>
+          <a:stretch/>
+        </p:blipFill>
+        <p:spPr>
+          <a:xfrm>
+            <a:off x="2797920" y="3843000"/>
+            <a:ext cx="3143880" cy="2405160"/>
+          </a:xfrm>
+          <a:prstGeom prst="rect">
+            <a:avLst/>
+          </a:prstGeom>
+          <a:ln>
+            <a:noFill/>
+          </a:ln>
+        </p:spPr>
+      </p:pic>
+      <p:sp>
+        <p:nvSpPr>
+          <p:cNvPr id="69" name="CustomShape 22"/>
           <p:cNvSpPr/>
           <p:nvPr/>
         </p:nvSpPr>
         <p:spPr>
           <a:xfrm>
-            <a:off x="-6840" y="8706960"/>
-            <a:ext cx="6091200" cy="364680"/>
-          </a:xfrm>
-          <a:prstGeom prst="rect">
-            <a:avLst/>
-          </a:prstGeom>
-          <a:solidFill>
-            <a:srgbClr val="2462a1"/>
-          </a:solidFill>
+            <a:off x="6159600" y="15466680"/>
+            <a:ext cx="6349320" cy="455040"/>
+          </a:xfrm>
+          <a:prstGeom prst="rect">
+            <a:avLst/>
+          </a:prstGeom>
+          <a:noFill/>
           <a:ln>
             <a:noFill/>
           </a:ln>
@@ -3838,15 +3668,16 @@
               </a:lnSpc>
             </a:pPr>
             <a:r>
-              <a:rPr b="1" lang="en-US" sz="1800" spc="-1" strike="noStrike">
-                <a:solidFill>
-                  <a:srgbClr val="ffffff"/>
-                </a:solidFill>
-                <a:latin typeface="Arial"/>
-              </a:rPr>
-              <a:t>Trigger efficiency vs. offline muon η </a:t>
-            </a:r>
-            <a:endParaRPr b="0" lang="en-US" sz="1800" spc="-1" strike="noStrike">
+              <a:rPr b="0" lang="en-US" sz="1200" spc="-1" strike="noStrike">
+                <a:solidFill>
+                  <a:srgbClr val="000000"/>
+                </a:solidFill>
+                <a:latin typeface="Arial"/>
+                <a:ea typeface="DejaVu Sans"/>
+              </a:rPr>
+              <a:t>η-φ map of the ratio between the Level-1 Barrel muon trigger efficiency in 2017 and 2016 for the trigger threshold MU10 and MU11 are shown [2].</a:t>
+            </a:r>
+            <a:endParaRPr b="0" lang="en-US" sz="1200" spc="-1" strike="noStrike">
               <a:latin typeface="Arial"/>
             </a:endParaRPr>
           </a:p>
@@ -3854,18 +3685,19 @@
       </p:sp>
       <p:pic>
         <p:nvPicPr>
-          <p:cNvPr id="72" name="Picture 51" descr=""/>
+          <p:cNvPr id="70" name="Picture 11" descr=""/>
           <p:cNvPicPr/>
           <p:nvPr/>
         </p:nvPicPr>
         <p:blipFill>
-          <a:blip r:embed="rId4"/>
+          <a:blip r:embed="rId3"/>
+          <a:srcRect l="2669" t="0" r="5478" b="4129"/>
           <a:stretch/>
         </p:blipFill>
         <p:spPr>
           <a:xfrm>
-            <a:off x="2797920" y="3843000"/>
-            <a:ext cx="3144240" cy="2405520"/>
+            <a:off x="6159600" y="3834720"/>
+            <a:ext cx="3080880" cy="2230560"/>
           </a:xfrm>
           <a:prstGeom prst="rect">
             <a:avLst/>
@@ -3877,286 +3709,14 @@
       </p:pic>
       <p:sp>
         <p:nvSpPr>
-          <p:cNvPr id="73" name="CustomShape 24"/>
+          <p:cNvPr id="71" name="CustomShape 23"/>
           <p:cNvSpPr/>
           <p:nvPr/>
         </p:nvSpPr>
         <p:spPr>
           <a:xfrm>
-            <a:off x="6159600" y="15466680"/>
-            <a:ext cx="6349680" cy="455400"/>
-          </a:xfrm>
-          <a:prstGeom prst="rect">
-            <a:avLst/>
-          </a:prstGeom>
-          <a:noFill/>
-          <a:ln>
-            <a:noFill/>
-          </a:ln>
-        </p:spPr>
-        <p:style>
-          <a:lnRef idx="0"/>
-          <a:fillRef idx="0"/>
-          <a:effectRef idx="0"/>
-          <a:fontRef idx="minor"/>
-        </p:style>
-        <p:txBody>
-          <a:bodyPr lIns="90000" rIns="90000" tIns="45000" bIns="45000"/>
-          <a:p>
-            <a:pPr>
-              <a:lnSpc>
-                <a:spcPct val="100000"/>
-              </a:lnSpc>
-            </a:pPr>
-            <a:r>
-              <a:rPr b="0" lang="en-US" sz="1200" spc="-1" strike="noStrike">
-                <a:solidFill>
-                  <a:srgbClr val="000000"/>
-                </a:solidFill>
-                <a:latin typeface="Arial"/>
-              </a:rPr>
-              <a:t>η-φ map of the ratio between the Level-1 Barrel muon trigger efficiency in 2017 and 2016 for the trigger threshold MU10 and MU11 are shown [2].</a:t>
-            </a:r>
-            <a:endParaRPr b="0" lang="en-US" sz="1200" spc="-1" strike="noStrike">
-              <a:latin typeface="Arial"/>
-            </a:endParaRPr>
-          </a:p>
-        </p:txBody>
-      </p:sp>
-      <p:pic>
-        <p:nvPicPr>
-          <p:cNvPr id="74" name="Picture 11" descr=""/>
-          <p:cNvPicPr/>
-          <p:nvPr/>
-        </p:nvPicPr>
-        <p:blipFill>
-          <a:blip r:embed="rId5"/>
-          <a:srcRect l="2669" t="0" r="5478" b="4129"/>
-          <a:stretch/>
-        </p:blipFill>
-        <p:spPr>
-          <a:xfrm>
-            <a:off x="6159600" y="3834720"/>
-            <a:ext cx="3081240" cy="2230920"/>
-          </a:xfrm>
-          <a:prstGeom prst="rect">
-            <a:avLst/>
-          </a:prstGeom>
-          <a:ln>
-            <a:noFill/>
-          </a:ln>
-        </p:spPr>
-      </p:pic>
-      <p:pic>
-        <p:nvPicPr>
-          <p:cNvPr id="75" name="Picture 52" descr=""/>
-          <p:cNvPicPr/>
-          <p:nvPr/>
-        </p:nvPicPr>
-        <p:blipFill>
-          <a:blip r:embed="rId6"/>
-          <a:srcRect l="0" t="3545" r="4933" b="0"/>
-          <a:stretch/>
-        </p:blipFill>
-        <p:spPr>
-          <a:xfrm>
-            <a:off x="3118320" y="11014200"/>
-            <a:ext cx="2823480" cy="1950120"/>
-          </a:xfrm>
-          <a:prstGeom prst="rect">
-            <a:avLst/>
-          </a:prstGeom>
-          <a:ln>
-            <a:noFill/>
-          </a:ln>
-        </p:spPr>
-      </p:pic>
-      <p:sp>
-        <p:nvSpPr>
-          <p:cNvPr id="76" name="CustomShape 25"/>
-          <p:cNvSpPr/>
-          <p:nvPr/>
-        </p:nvSpPr>
-        <p:spPr>
-          <a:xfrm>
-            <a:off x="2670120" y="12096000"/>
-            <a:ext cx="633240" cy="272880"/>
-          </a:xfrm>
-          <a:prstGeom prst="rect">
-            <a:avLst/>
-          </a:prstGeom>
-          <a:solidFill>
-            <a:srgbClr val="2462a1"/>
-          </a:solidFill>
-          <a:ln>
-            <a:noFill/>
-          </a:ln>
-        </p:spPr>
-        <p:style>
-          <a:lnRef idx="0"/>
-          <a:fillRef idx="0"/>
-          <a:effectRef idx="0"/>
-          <a:fontRef idx="minor"/>
-        </p:style>
-        <p:txBody>
-          <a:bodyPr lIns="90000" rIns="90000" tIns="45000" bIns="45000"/>
-          <a:p>
-            <a:pPr>
-              <a:lnSpc>
-                <a:spcPct val="100000"/>
-              </a:lnSpc>
-            </a:pPr>
-            <a:r>
-              <a:rPr b="1" lang="en-US" sz="1200" spc="-1" strike="noStrike">
-                <a:solidFill>
-                  <a:srgbClr val="ffffff"/>
-                </a:solidFill>
-                <a:latin typeface="Arial"/>
-              </a:rPr>
-              <a:t>MU11</a:t>
-            </a:r>
-            <a:endParaRPr b="0" lang="en-US" sz="1200" spc="-1" strike="noStrike">
-              <a:latin typeface="Arial"/>
-            </a:endParaRPr>
-          </a:p>
-        </p:txBody>
-      </p:sp>
-      <p:pic>
-        <p:nvPicPr>
-          <p:cNvPr id="77" name="Picture 37" descr=""/>
-          <p:cNvPicPr/>
-          <p:nvPr/>
-        </p:nvPicPr>
-        <p:blipFill>
-          <a:blip r:embed="rId7"/>
-          <a:srcRect l="0" t="3035" r="4459" b="0"/>
-          <a:stretch/>
-        </p:blipFill>
-        <p:spPr>
-          <a:xfrm>
-            <a:off x="3118320" y="9074880"/>
-            <a:ext cx="2823480" cy="1950840"/>
-          </a:xfrm>
-          <a:prstGeom prst="rect">
-            <a:avLst/>
-          </a:prstGeom>
-          <a:ln>
-            <a:noFill/>
-          </a:ln>
-        </p:spPr>
-      </p:pic>
-      <p:sp>
-        <p:nvSpPr>
-          <p:cNvPr id="78" name="CustomShape 26"/>
-          <p:cNvSpPr/>
-          <p:nvPr/>
-        </p:nvSpPr>
-        <p:spPr>
-          <a:xfrm>
-            <a:off x="3912120" y="10935360"/>
-            <a:ext cx="1008720" cy="272880"/>
-          </a:xfrm>
-          <a:prstGeom prst="rect">
-            <a:avLst/>
-          </a:prstGeom>
-          <a:solidFill>
-            <a:srgbClr val="2462a1"/>
-          </a:solidFill>
-          <a:ln>
-            <a:solidFill>
-              <a:schemeClr val="accent1"/>
-            </a:solidFill>
-          </a:ln>
-        </p:spPr>
-        <p:style>
-          <a:lnRef idx="0"/>
-          <a:fillRef idx="0"/>
-          <a:effectRef idx="0"/>
-          <a:fontRef idx="minor"/>
-        </p:style>
-        <p:txBody>
-          <a:bodyPr lIns="90000" rIns="90000" tIns="45000" bIns="45000"/>
-          <a:p>
-            <a:pPr algn="ctr">
-              <a:lnSpc>
-                <a:spcPct val="100000"/>
-              </a:lnSpc>
-            </a:pPr>
-            <a:r>
-              <a:rPr b="1" lang="en-US" sz="1200" spc="-1" strike="noStrike">
-                <a:solidFill>
-                  <a:srgbClr val="ffffff"/>
-                </a:solidFill>
-                <a:latin typeface="Arial"/>
-              </a:rPr>
-              <a:t>sector 14</a:t>
-            </a:r>
-            <a:endParaRPr b="0" lang="en-US" sz="1200" spc="-1" strike="noStrike">
-              <a:latin typeface="Arial"/>
-            </a:endParaRPr>
-          </a:p>
-        </p:txBody>
-      </p:sp>
-      <p:sp>
-        <p:nvSpPr>
-          <p:cNvPr id="79" name="CustomShape 27"/>
-          <p:cNvSpPr/>
-          <p:nvPr/>
-        </p:nvSpPr>
-        <p:spPr>
-          <a:xfrm>
-            <a:off x="2710080" y="10095120"/>
-            <a:ext cx="615600" cy="272880"/>
-          </a:xfrm>
-          <a:prstGeom prst="rect">
-            <a:avLst/>
-          </a:prstGeom>
-          <a:solidFill>
-            <a:srgbClr val="2462a1"/>
-          </a:solidFill>
-          <a:ln>
-            <a:noFill/>
-          </a:ln>
-        </p:spPr>
-        <p:style>
-          <a:lnRef idx="0"/>
-          <a:fillRef idx="0"/>
-          <a:effectRef idx="0"/>
-          <a:fontRef idx="minor"/>
-        </p:style>
-        <p:txBody>
-          <a:bodyPr lIns="90000" rIns="90000" tIns="45000" bIns="45000"/>
-          <a:p>
-            <a:pPr>
-              <a:lnSpc>
-                <a:spcPct val="100000"/>
-              </a:lnSpc>
-            </a:pPr>
-            <a:r>
-              <a:rPr b="1" lang="en-US" sz="1200" spc="-1" strike="noStrike">
-                <a:solidFill>
-                  <a:srgbClr val="ffffff"/>
-                </a:solidFill>
-                <a:latin typeface="Arial"/>
-              </a:rPr>
-              <a:t>MU10</a:t>
-            </a:r>
-            <a:endParaRPr b="0" lang="en-US" sz="1200" spc="-1" strike="noStrike">
-              <a:latin typeface="Arial"/>
-            </a:endParaRPr>
-          </a:p>
-        </p:txBody>
-      </p:sp>
-      <p:sp>
-        <p:nvSpPr>
-          <p:cNvPr id="80" name="CustomShape 28"/>
-          <p:cNvSpPr/>
-          <p:nvPr/>
-        </p:nvSpPr>
-        <p:spPr>
-          <a:xfrm>
             <a:off x="8889480" y="9613800"/>
-            <a:ext cx="689760" cy="1186560"/>
+            <a:ext cx="689400" cy="1186200"/>
           </a:xfrm>
           <a:prstGeom prst="curvedRightArrow">
             <a:avLst>
@@ -4203,14 +3763,14 @@
       </p:sp>
       <p:sp>
         <p:nvSpPr>
-          <p:cNvPr id="81" name="CustomShape 29"/>
+          <p:cNvPr id="72" name="CustomShape 24"/>
           <p:cNvSpPr/>
           <p:nvPr/>
         </p:nvSpPr>
         <p:spPr>
           <a:xfrm rot="18660000">
-            <a:off x="8181000" y="9776160"/>
-            <a:ext cx="1296360" cy="364680"/>
+            <a:off x="8180640" y="9776160"/>
+            <a:ext cx="1296000" cy="364320"/>
           </a:xfrm>
           <a:prstGeom prst="rect">
             <a:avLst/>
@@ -4240,6 +3800,7 @@
                   <a:srgbClr val="17375e"/>
                 </a:solidFill>
                 <a:latin typeface="Arial"/>
+                <a:ea typeface="DejaVu Sans"/>
               </a:rPr>
               <a:t>Fit per run</a:t>
             </a:r>
@@ -4249,64 +3810,16 @@
           </a:p>
         </p:txBody>
       </p:sp>
-      <p:pic>
-        <p:nvPicPr>
-          <p:cNvPr id="82" name="Picture 5" descr=""/>
-          <p:cNvPicPr/>
-          <p:nvPr/>
-        </p:nvPicPr>
-        <p:blipFill>
-          <a:blip r:embed="rId8"/>
-          <a:srcRect l="1786" t="4984" r="6599" b="1361"/>
-          <a:stretch/>
-        </p:blipFill>
-        <p:spPr>
-          <a:xfrm>
-            <a:off x="84960" y="14074200"/>
-            <a:ext cx="2896560" cy="1975680"/>
-          </a:xfrm>
-          <a:prstGeom prst="rect">
-            <a:avLst/>
-          </a:prstGeom>
-          <a:ln>
-            <a:noFill/>
-          </a:ln>
-        </p:spPr>
-      </p:pic>
-      <p:pic>
-        <p:nvPicPr>
-          <p:cNvPr id="83" name="Picture 12" descr=""/>
-          <p:cNvPicPr/>
-          <p:nvPr/>
-        </p:nvPicPr>
-        <p:blipFill>
-          <a:blip r:embed="rId9"/>
-          <a:srcRect l="1060" t="4367" r="6419" b="1283"/>
-          <a:stretch/>
-        </p:blipFill>
-        <p:spPr>
-          <a:xfrm>
-            <a:off x="3117240" y="14074200"/>
-            <a:ext cx="2896560" cy="1975680"/>
-          </a:xfrm>
-          <a:prstGeom prst="rect">
-            <a:avLst/>
-          </a:prstGeom>
-          <a:ln>
-            <a:noFill/>
-          </a:ln>
-        </p:spPr>
-      </p:pic>
-      <p:sp>
-        <p:nvSpPr>
-          <p:cNvPr id="84" name="CustomShape 30"/>
+      <p:sp>
+        <p:nvSpPr>
+          <p:cNvPr id="73" name="CustomShape 25"/>
           <p:cNvSpPr/>
           <p:nvPr/>
         </p:nvSpPr>
         <p:spPr>
           <a:xfrm>
             <a:off x="6840" y="16736760"/>
-            <a:ext cx="12601080" cy="455400"/>
+            <a:ext cx="12600720" cy="455040"/>
           </a:xfrm>
           <a:prstGeom prst="rect">
             <a:avLst/>
@@ -4341,6 +3854,7 @@
                   <a:srgbClr val="000000"/>
                 </a:solidFill>
                 <a:latin typeface="Arial"/>
+                <a:ea typeface="DejaVu Sans"/>
               </a:rPr>
               <a:t>[1] M. Corradi, Performance of ATLAS RPC Level-1 muon trigger during the 2015 data taking, 6032 Journal of Instrumentation 11 (2016) C09003</a:t>
             </a:r>
@@ -4360,6 +3874,7 @@
                   <a:srgbClr val="000000"/>
                 </a:solidFill>
                 <a:latin typeface="Arial"/>
+                <a:ea typeface="DejaVu Sans"/>
               </a:rPr>
               <a:t>[2] ATLAS Collaboration, ATL-COM-DAQ-2018-008</a:t>
             </a:r>
@@ -4371,7 +3886,145 @@
       </p:sp>
       <p:pic>
         <p:nvPicPr>
-          <p:cNvPr id="85" name="" descr=""/>
+          <p:cNvPr id="74" name="" descr=""/>
+          <p:cNvPicPr/>
+          <p:nvPr/>
+        </p:nvPicPr>
+        <p:blipFill>
+          <a:blip r:embed="rId4"/>
+          <a:stretch/>
+        </p:blipFill>
+        <p:spPr>
+          <a:xfrm>
+            <a:off x="8884440" y="9905760"/>
+            <a:ext cx="3715560" cy="2454480"/>
+          </a:xfrm>
+          <a:prstGeom prst="rect">
+            <a:avLst/>
+          </a:prstGeom>
+          <a:ln>
+            <a:noFill/>
+          </a:ln>
+        </p:spPr>
+      </p:pic>
+      <p:pic>
+        <p:nvPicPr>
+          <p:cNvPr id="75" name="" descr=""/>
+          <p:cNvPicPr/>
+          <p:nvPr/>
+        </p:nvPicPr>
+        <p:blipFill>
+          <a:blip r:embed="rId5"/>
+          <a:stretch/>
+        </p:blipFill>
+        <p:spPr>
+          <a:xfrm>
+            <a:off x="8778240" y="7480440"/>
+            <a:ext cx="3706560" cy="2657880"/>
+          </a:xfrm>
+          <a:prstGeom prst="rect">
+            <a:avLst/>
+          </a:prstGeom>
+          <a:ln>
+            <a:noFill/>
+          </a:ln>
+        </p:spPr>
+      </p:pic>
+      <p:pic>
+        <p:nvPicPr>
+          <p:cNvPr id="76" name="" descr=""/>
+          <p:cNvPicPr/>
+          <p:nvPr/>
+        </p:nvPicPr>
+        <p:blipFill>
+          <a:blip r:embed="rId6"/>
+          <a:stretch/>
+        </p:blipFill>
+        <p:spPr>
+          <a:xfrm>
+            <a:off x="6059520" y="12771000"/>
+            <a:ext cx="3358440" cy="2407680"/>
+          </a:xfrm>
+          <a:prstGeom prst="rect">
+            <a:avLst/>
+          </a:prstGeom>
+          <a:ln>
+            <a:noFill/>
+          </a:ln>
+        </p:spPr>
+      </p:pic>
+      <p:pic>
+        <p:nvPicPr>
+          <p:cNvPr id="77" name="" descr=""/>
+          <p:cNvPicPr/>
+          <p:nvPr/>
+        </p:nvPicPr>
+        <p:blipFill>
+          <a:blip r:embed="rId7"/>
+          <a:stretch/>
+        </p:blipFill>
+        <p:spPr>
+          <a:xfrm>
+            <a:off x="9235440" y="12832920"/>
+            <a:ext cx="3272400" cy="2345760"/>
+          </a:xfrm>
+          <a:prstGeom prst="rect">
+            <a:avLst/>
+          </a:prstGeom>
+          <a:ln>
+            <a:noFill/>
+          </a:ln>
+        </p:spPr>
+      </p:pic>
+      <p:pic>
+        <p:nvPicPr>
+          <p:cNvPr id="78" name="" descr=""/>
+          <p:cNvPicPr/>
+          <p:nvPr/>
+        </p:nvPicPr>
+        <p:blipFill>
+          <a:blip r:embed="rId8"/>
+          <a:stretch/>
+        </p:blipFill>
+        <p:spPr>
+          <a:xfrm>
+            <a:off x="9283680" y="3840480"/>
+            <a:ext cx="3159720" cy="2264760"/>
+          </a:xfrm>
+          <a:prstGeom prst="rect">
+            <a:avLst/>
+          </a:prstGeom>
+          <a:ln>
+            <a:noFill/>
+          </a:ln>
+        </p:spPr>
+      </p:pic>
+      <p:pic>
+        <p:nvPicPr>
+          <p:cNvPr id="79" name="" descr=""/>
+          <p:cNvPicPr/>
+          <p:nvPr/>
+        </p:nvPicPr>
+        <p:blipFill>
+          <a:blip r:embed="rId9"/>
+          <a:stretch/>
+        </p:blipFill>
+        <p:spPr>
+          <a:xfrm>
+            <a:off x="3114360" y="14053680"/>
+            <a:ext cx="2858040" cy="1995480"/>
+          </a:xfrm>
+          <a:prstGeom prst="rect">
+            <a:avLst/>
+          </a:prstGeom>
+          <a:ln>
+            <a:noFill/>
+          </a:ln>
+        </p:spPr>
+      </p:pic>
+      <p:pic>
+        <p:nvPicPr>
+          <p:cNvPr id="80" name="" descr=""/>
           <p:cNvPicPr/>
           <p:nvPr/>
         </p:nvPicPr>
@@ -4381,8 +4034,8 @@
         </p:blipFill>
         <p:spPr>
           <a:xfrm>
-            <a:off x="8837640" y="9861480"/>
-            <a:ext cx="3715920" cy="2454840"/>
+            <a:off x="0" y="9071280"/>
+            <a:ext cx="2986920" cy="2014920"/>
           </a:xfrm>
           <a:prstGeom prst="rect">
             <a:avLst/>
@@ -4394,7 +4047,7 @@
       </p:pic>
       <p:pic>
         <p:nvPicPr>
-          <p:cNvPr id="86" name="" descr=""/>
+          <p:cNvPr id="81" name="" descr=""/>
           <p:cNvPicPr/>
           <p:nvPr/>
         </p:nvPicPr>
@@ -4404,8 +4057,8 @@
         </p:blipFill>
         <p:spPr>
           <a:xfrm>
-            <a:off x="9097920" y="7480440"/>
-            <a:ext cx="3455640" cy="2477880"/>
+            <a:off x="3202200" y="9088560"/>
+            <a:ext cx="2758320" cy="1860840"/>
           </a:xfrm>
           <a:prstGeom prst="rect">
             <a:avLst/>
@@ -4417,7 +4070,7 @@
       </p:pic>
       <p:pic>
         <p:nvPicPr>
-          <p:cNvPr id="87" name="" descr=""/>
+          <p:cNvPr id="82" name="" descr=""/>
           <p:cNvPicPr/>
           <p:nvPr/>
         </p:nvPicPr>
@@ -4427,8 +4080,8 @@
         </p:blipFill>
         <p:spPr>
           <a:xfrm>
-            <a:off x="6059520" y="12771000"/>
-            <a:ext cx="3358800" cy="2408040"/>
+            <a:off x="0" y="10919880"/>
+            <a:ext cx="2986920" cy="2014920"/>
           </a:xfrm>
           <a:prstGeom prst="rect">
             <a:avLst/>
@@ -4440,7 +4093,7 @@
       </p:pic>
       <p:pic>
         <p:nvPicPr>
-          <p:cNvPr id="88" name="" descr=""/>
+          <p:cNvPr id="83" name="" descr=""/>
           <p:cNvPicPr/>
           <p:nvPr/>
         </p:nvPicPr>
@@ -4450,8 +4103,8 @@
         </p:blipFill>
         <p:spPr>
           <a:xfrm>
-            <a:off x="9235440" y="12832920"/>
-            <a:ext cx="3272760" cy="2346120"/>
+            <a:off x="3185280" y="10949400"/>
+            <a:ext cx="2849760" cy="2010600"/>
           </a:xfrm>
           <a:prstGeom prst="rect">
             <a:avLst/>
@@ -4463,7 +4116,7 @@
       </p:pic>
       <p:pic>
         <p:nvPicPr>
-          <p:cNvPr id="89" name="" descr=""/>
+          <p:cNvPr id="84" name="" descr=""/>
           <p:cNvPicPr/>
           <p:nvPr/>
         </p:nvPicPr>
@@ -4473,8 +4126,8 @@
         </p:blipFill>
         <p:spPr>
           <a:xfrm>
-            <a:off x="9283680" y="3840480"/>
-            <a:ext cx="3160080" cy="2265120"/>
+            <a:off x="64800" y="14070960"/>
+            <a:ext cx="2769840" cy="1985760"/>
           </a:xfrm>
           <a:prstGeom prst="rect">
             <a:avLst/>

--- a/LHCC_2019_poster/ATLAS-PosterBase.pptx
+++ b/LHCC_2019_poster/ATLAS-PosterBase.pptx
@@ -145,7 +145,7 @@
               <a:rPr b="0" lang="en-US" sz="1400" spc="-1" strike="noStrike">
                 <a:latin typeface="Times New Roman"/>
               </a:rPr>
-              <a:t>&lt;header&gt;</a:t>
+              <a:t> </a:t>
             </a:r>
             <a:endParaRPr b="0" lang="en-US" sz="1400" spc="-1" strike="noStrike">
               <a:latin typeface="Times New Roman"/>
@@ -180,7 +180,7 @@
               <a:rPr b="0" lang="en-US" sz="1400" spc="-1" strike="noStrike">
                 <a:latin typeface="Times New Roman"/>
               </a:rPr>
-              <a:t>&lt;date/time&gt;</a:t>
+              <a:t> </a:t>
             </a:r>
             <a:endParaRPr b="0" lang="en-US" sz="1400" spc="-1" strike="noStrike">
               <a:latin typeface="Times New Roman"/>
@@ -214,7 +214,7 @@
               <a:rPr b="0" lang="en-US" sz="1400" spc="-1" strike="noStrike">
                 <a:latin typeface="Times New Roman"/>
               </a:rPr>
-              <a:t>&lt;footer&gt;</a:t>
+              <a:t> </a:t>
             </a:r>
             <a:endParaRPr b="0" lang="en-US" sz="1400" spc="-1" strike="noStrike">
               <a:latin typeface="Times New Roman"/>
@@ -245,11 +245,11 @@
           <a:bodyPr lIns="0" rIns="0" tIns="0" bIns="0" anchor="b"/>
           <a:p>
             <a:pPr algn="r"/>
-            <a:fld id="{7EF12F51-D1E5-4225-9F1E-2EE51AA692FB}" type="slidenum">
+            <a:fld id="{667B5843-36C8-451E-8CD5-DD63CA3377A4}" type="slidenum">
               <a:rPr b="0" lang="en-US" sz="1400" spc="-1" strike="noStrike">
                 <a:latin typeface="Times New Roman"/>
               </a:rPr>
-              <a:t>&lt;number&gt;</a:t>
+              <a:t>1</a:t>
             </a:fld>
             <a:endParaRPr b="0" lang="en-US" sz="1400" spc="-1" strike="noStrike">
               <a:latin typeface="Times New Roman"/>
@@ -1788,7 +1788,19 @@
               <a:rPr b="0" lang="en-US" sz="4400" spc="-1" strike="noStrike">
                 <a:latin typeface="Arial"/>
               </a:rPr>
-              <a:t>Click to edit the title text format</a:t>
+              <a:t>Click to edit </a:t>
+            </a:r>
+            <a:r>
+              <a:rPr b="0" lang="en-US" sz="4400" spc="-1" strike="noStrike">
+                <a:latin typeface="Arial"/>
+              </a:rPr>
+              <a:t>the title text </a:t>
+            </a:r>
+            <a:r>
+              <a:rPr b="0" lang="en-US" sz="4400" spc="-1" strike="noStrike">
+                <a:latin typeface="Arial"/>
+              </a:rPr>
+              <a:t>format</a:t>
             </a:r>
             <a:endParaRPr b="0" lang="en-US" sz="4400" spc="-1" strike="noStrike">
               <a:latin typeface="Arial"/>
